--- a/WORD/luanvan_nhanhnt.pptx
+++ b/WORD/luanvan_nhanhnt.pptx
@@ -5,23 +5,25 @@
     <p:sldMasterId id="2147483648" r:id="rId1"/>
   </p:sldMasterIdLst>
   <p:notesMasterIdLst>
-    <p:notesMasterId r:id="rId16"/>
+    <p:notesMasterId r:id="rId18"/>
   </p:notesMasterIdLst>
   <p:sldIdLst>
     <p:sldId id="257" r:id="rId2"/>
     <p:sldId id="256" r:id="rId3"/>
-    <p:sldId id="259" r:id="rId4"/>
-    <p:sldId id="260" r:id="rId5"/>
-    <p:sldId id="267" r:id="rId6"/>
-    <p:sldId id="261" r:id="rId7"/>
-    <p:sldId id="262" r:id="rId8"/>
-    <p:sldId id="263" r:id="rId9"/>
-    <p:sldId id="266" r:id="rId10"/>
-    <p:sldId id="264" r:id="rId11"/>
-    <p:sldId id="268" r:id="rId12"/>
-    <p:sldId id="269" r:id="rId13"/>
-    <p:sldId id="265" r:id="rId14"/>
-    <p:sldId id="258" r:id="rId15"/>
+    <p:sldId id="271" r:id="rId4"/>
+    <p:sldId id="259" r:id="rId5"/>
+    <p:sldId id="272" r:id="rId6"/>
+    <p:sldId id="260" r:id="rId7"/>
+    <p:sldId id="267" r:id="rId8"/>
+    <p:sldId id="261" r:id="rId9"/>
+    <p:sldId id="262" r:id="rId10"/>
+    <p:sldId id="263" r:id="rId11"/>
+    <p:sldId id="266" r:id="rId12"/>
+    <p:sldId id="264" r:id="rId13"/>
+    <p:sldId id="268" r:id="rId14"/>
+    <p:sldId id="269" r:id="rId15"/>
+    <p:sldId id="265" r:id="rId16"/>
+    <p:sldId id="258" r:id="rId17"/>
   </p:sldIdLst>
   <p:sldSz cx="12192000" cy="6858000"/>
   <p:notesSz cx="6858000" cy="9144000"/>
@@ -122,7 +124,7 @@
   </p:defaultTextStyle>
   <p:extLst>
     <p:ext uri="{EFAFB233-063F-42B5-8137-9DF3F51BA10A}">
-      <p15:sldGuideLst xmlns:p15="http://schemas.microsoft.com/office/powerpoint/2012/main" xmlns=""/>
+      <p15:sldGuideLst xmlns="" xmlns:p15="http://schemas.microsoft.com/office/powerpoint/2012/main"/>
     </p:ext>
   </p:extLst>
 </p:presentation>
@@ -632,7 +634,91 @@
           <a:p>
             <a:fld id="{8AFEEF3D-D13C-4966-8980-81C9E096E81A}" type="slidenum">
               <a:rPr lang="en-US" smtClean="0"/>
-              <a:t>2</a:t>
+              <a:t>3</a:t>
+            </a:fld>
+            <a:endParaRPr lang="en-US"/>
+          </a:p>
+        </p:txBody>
+      </p:sp>
+    </p:spTree>
+    <p:extLst>
+      <p:ext uri="{BB962C8B-B14F-4D97-AF65-F5344CB8AC3E}">
+        <p14:creationId xmlns:p14="http://schemas.microsoft.com/office/powerpoint/2010/main" val="34527172"/>
+      </p:ext>
+    </p:extLst>
+  </p:cSld>
+  <p:clrMapOvr>
+    <a:masterClrMapping/>
+  </p:clrMapOvr>
+</p:notes>
+</file>
+
+<file path=ppt/notesSlides/notesSlide3.xml><?xml version="1.0" encoding="utf-8"?>
+<p:notes xmlns:a="http://schemas.openxmlformats.org/drawingml/2006/main" xmlns:r="http://schemas.openxmlformats.org/officeDocument/2006/relationships" xmlns:p="http://schemas.openxmlformats.org/presentationml/2006/main">
+  <p:cSld>
+    <p:spTree>
+      <p:nvGrpSpPr>
+        <p:cNvPr id="1" name=""/>
+        <p:cNvGrpSpPr/>
+        <p:nvPr/>
+      </p:nvGrpSpPr>
+      <p:grpSpPr>
+        <a:xfrm>
+          <a:off x="0" y="0"/>
+          <a:ext cx="0" cy="0"/>
+          <a:chOff x="0" y="0"/>
+          <a:chExt cx="0" cy="0"/>
+        </a:xfrm>
+      </p:grpSpPr>
+      <p:sp>
+        <p:nvSpPr>
+          <p:cNvPr id="2" name="Slide Image Placeholder 1"/>
+          <p:cNvSpPr>
+            <a:spLocks noGrp="1" noRot="1" noChangeAspect="1"/>
+          </p:cNvSpPr>
+          <p:nvPr>
+            <p:ph type="sldImg"/>
+          </p:nvPr>
+        </p:nvSpPr>
+        <p:spPr/>
+      </p:sp>
+      <p:sp>
+        <p:nvSpPr>
+          <p:cNvPr id="3" name="Notes Placeholder 2"/>
+          <p:cNvSpPr>
+            <a:spLocks noGrp="1"/>
+          </p:cNvSpPr>
+          <p:nvPr>
+            <p:ph type="body" idx="1"/>
+          </p:nvPr>
+        </p:nvSpPr>
+        <p:spPr/>
+        <p:txBody>
+          <a:bodyPr/>
+          <a:lstStyle/>
+          <a:p>
+            <a:endParaRPr lang="en-US"/>
+          </a:p>
+        </p:txBody>
+      </p:sp>
+      <p:sp>
+        <p:nvSpPr>
+          <p:cNvPr id="4" name="Slide Number Placeholder 3"/>
+          <p:cNvSpPr>
+            <a:spLocks noGrp="1"/>
+          </p:cNvSpPr>
+          <p:nvPr>
+            <p:ph type="sldNum" sz="quarter" idx="10"/>
+          </p:nvPr>
+        </p:nvSpPr>
+        <p:spPr/>
+        <p:txBody>
+          <a:bodyPr/>
+          <a:lstStyle/>
+          <a:p>
+            <a:fld id="{8AFEEF3D-D13C-4966-8980-81C9E096E81A}" type="slidenum">
+              <a:rPr lang="en-US" smtClean="0"/>
+              <a:t>4</a:t>
             </a:fld>
             <a:endParaRPr lang="en-US"/>
           </a:p>
@@ -4038,7 +4124,17 @@
                 <a:latin typeface="Times New Roman" pitchFamily="18" charset="0"/>
                 <a:cs typeface="Times New Roman" pitchFamily="18" charset="0"/>
               </a:rPr>
-              <a:t>Huế, 08/2015</a:t>
+              <a:t>Huế, </a:t>
+            </a:r>
+            <a:r>
+              <a:rPr lang="en-US" sz="2200" b="1" dirty="0" smtClean="0">
+                <a:solidFill>
+                  <a:srgbClr val="000066"/>
+                </a:solidFill>
+                <a:latin typeface="Times New Roman" pitchFamily="18" charset="0"/>
+                <a:cs typeface="Times New Roman" pitchFamily="18" charset="0"/>
+              </a:rPr>
+              <a:t>04/2016</a:t>
             </a:r>
             <a:endParaRPr lang="vi-VN" sz="2200" b="1" dirty="0">
               <a:solidFill>
@@ -4188,8 +4284,8 @@
         </p:nvSpPr>
         <p:spPr>
           <a:xfrm>
-            <a:off x="1049217" y="618930"/>
-            <a:ext cx="10515599" cy="7663636"/>
+            <a:off x="1049217" y="1352884"/>
+            <a:ext cx="10515599" cy="4524315"/>
           </a:xfrm>
           <a:prstGeom prst="rect">
             <a:avLst/>
@@ -4208,62 +4304,56 @@
               </a:lnSpc>
             </a:pPr>
             <a:r>
-              <a:rPr lang="en-US" sz="2400" b="1" dirty="0">
+              <a:rPr lang="en-US" sz="2400" b="1" dirty="0" smtClean="0">
                 <a:solidFill>
                   <a:srgbClr val="000066"/>
                 </a:solidFill>
                 <a:latin typeface="Times New Roman" pitchFamily="18" charset="0"/>
                 <a:cs typeface="Times New Roman" pitchFamily="18" charset="0"/>
               </a:rPr>
-              <a:t>Chương 2: </a:t>
-            </a:r>
-            <a:r>
-              <a:rPr lang="en-US" sz="2400" b="1" dirty="0" smtClean="0">
-                <a:solidFill>
-                  <a:srgbClr val="000066"/>
-                </a:solidFill>
-                <a:latin typeface="Times New Roman" pitchFamily="18" charset="0"/>
-                <a:cs typeface="Times New Roman" pitchFamily="18" charset="0"/>
-              </a:rPr>
-              <a:t>Khung </a:t>
-            </a:r>
-            <a:r>
-              <a:rPr lang="en-US" sz="2400" b="1" dirty="0">
-                <a:solidFill>
-                  <a:srgbClr val="000066"/>
-                </a:solidFill>
-                <a:latin typeface="Times New Roman" pitchFamily="18" charset="0"/>
-                <a:cs typeface="Times New Roman" pitchFamily="18" charset="0"/>
-              </a:rPr>
-              <a:t>ứng dụng hỗ trợ lập trình SOA</a:t>
-            </a:r>
-          </a:p>
-          <a:p>
-            <a:pPr lvl="1">
+              <a:t>Phần mở đầu</a:t>
+            </a:r>
+          </a:p>
+          <a:p>
+            <a:pPr>
               <a:lnSpc>
                 <a:spcPct val="150000"/>
               </a:lnSpc>
             </a:pPr>
             <a:r>
-              <a:rPr lang="en-US" sz="2400" dirty="0">
+              <a:rPr lang="en-US" sz="2400" b="1" dirty="0" smtClean="0">
                 <a:solidFill>
                   <a:srgbClr val="000066"/>
                 </a:solidFill>
                 <a:latin typeface="Times New Roman" pitchFamily="18" charset="0"/>
                 <a:cs typeface="Times New Roman" pitchFamily="18" charset="0"/>
               </a:rPr>
-              <a:t> </a:t>
-            </a:r>
-            <a:r>
-              <a:rPr lang="en-US" sz="2400" dirty="0" smtClean="0">
+              <a:t>Phần nội dung</a:t>
+            </a:r>
+          </a:p>
+          <a:p>
+            <a:pPr>
+              <a:lnSpc>
+                <a:spcPct val="150000"/>
+              </a:lnSpc>
+            </a:pPr>
+            <a:r>
+              <a:rPr lang="en-US" sz="2400" b="1" dirty="0">
                 <a:solidFill>
                   <a:srgbClr val="000066"/>
                 </a:solidFill>
                 <a:latin typeface="Times New Roman" pitchFamily="18" charset="0"/>
                 <a:cs typeface="Times New Roman" pitchFamily="18" charset="0"/>
               </a:rPr>
-              <a:t>2.1 Nền </a:t>
-            </a:r>
+              <a:t>Chương 1: Tổng quan về kiến trúc hướng dịch vụ SOA</a:t>
+            </a:r>
+          </a:p>
+          <a:p>
+            <a:pPr>
+              <a:lnSpc>
+                <a:spcPct val="150000"/>
+              </a:lnSpc>
+            </a:pPr>
             <a:r>
               <a:rPr lang="en-US" sz="2400" dirty="0">
                 <a:solidFill>
@@ -4272,7 +4362,7 @@
                 <a:latin typeface="Times New Roman" pitchFamily="18" charset="0"/>
                 <a:cs typeface="Times New Roman" pitchFamily="18" charset="0"/>
               </a:rPr>
-              <a:t>tảng Eclipse</a:t>
+              <a:t>    1.1 Công nghệ Java Web Services</a:t>
             </a:r>
           </a:p>
           <a:p>
@@ -4289,7 +4379,7 @@
                 <a:latin typeface="Times New Roman" pitchFamily="18" charset="0"/>
                 <a:cs typeface="Times New Roman" pitchFamily="18" charset="0"/>
               </a:rPr>
-              <a:t>2.1.1 Giới thiệu</a:t>
+              <a:t>1.1.1 Tổng quan về Web Services</a:t>
             </a:r>
           </a:p>
           <a:p>
@@ -4306,7 +4396,7 @@
                 <a:latin typeface="Times New Roman" pitchFamily="18" charset="0"/>
                 <a:cs typeface="Times New Roman" pitchFamily="18" charset="0"/>
               </a:rPr>
-              <a:t>2.1.2 Các thành phần và kiến trúc</a:t>
+              <a:t>1.1.2 Kiến trúc của Web Services</a:t>
             </a:r>
           </a:p>
           <a:p>
@@ -4323,41 +4413,7 @@
                 <a:latin typeface="Times New Roman" pitchFamily="18" charset="0"/>
                 <a:cs typeface="Times New Roman" pitchFamily="18" charset="0"/>
               </a:rPr>
-              <a:t>2.1.3 Eclipse và SOA</a:t>
-            </a:r>
-          </a:p>
-          <a:p>
-            <a:pPr lvl="1">
-              <a:lnSpc>
-                <a:spcPct val="150000"/>
-              </a:lnSpc>
-            </a:pPr>
-            <a:r>
-              <a:rPr lang="en-US" sz="2400" dirty="0">
-                <a:solidFill>
-                  <a:srgbClr val="000066"/>
-                </a:solidFill>
-                <a:latin typeface="Times New Roman" pitchFamily="18" charset="0"/>
-                <a:cs typeface="Times New Roman" pitchFamily="18" charset="0"/>
-              </a:rPr>
-              <a:t> 2.2 Kiến trúc SOA trong Eclipse</a:t>
-            </a:r>
-          </a:p>
-          <a:p>
-            <a:pPr lvl="1">
-              <a:lnSpc>
-                <a:spcPct val="150000"/>
-              </a:lnSpc>
-            </a:pPr>
-            <a:r>
-              <a:rPr lang="en-US" sz="2400" dirty="0">
-                <a:solidFill>
-                  <a:srgbClr val="000066"/>
-                </a:solidFill>
-                <a:latin typeface="Times New Roman" pitchFamily="18" charset="0"/>
-                <a:cs typeface="Times New Roman" pitchFamily="18" charset="0"/>
-              </a:rPr>
-              <a:t> 2.3 Kiến trúc plug-in của Eclipse</a:t>
+              <a:t>1.1.3 Các giao thức trong Web Services</a:t>
             </a:r>
           </a:p>
           <a:p>
@@ -4374,91 +4430,8 @@
                 <a:latin typeface="Times New Roman" pitchFamily="18" charset="0"/>
                 <a:cs typeface="Times New Roman" pitchFamily="18" charset="0"/>
               </a:rPr>
-              <a:t>2.3.1 Đặc điểm và cấu hình</a:t>
-            </a:r>
-          </a:p>
-          <a:p>
-            <a:pPr lvl="2">
-              <a:lnSpc>
-                <a:spcPct val="150000"/>
-              </a:lnSpc>
-            </a:pPr>
-            <a:r>
-              <a:rPr lang="en-US" sz="2400" dirty="0">
-                <a:solidFill>
-                  <a:srgbClr val="000066"/>
-                </a:solidFill>
-                <a:latin typeface="Times New Roman" pitchFamily="18" charset="0"/>
-                <a:cs typeface="Times New Roman" pitchFamily="18" charset="0"/>
-              </a:rPr>
-              <a:t>2.3.2 Tuỳ biến với dịch vụ Web</a:t>
-            </a:r>
-          </a:p>
-          <a:p>
-            <a:pPr lvl="2">
-              <a:lnSpc>
-                <a:spcPct val="150000"/>
-              </a:lnSpc>
-            </a:pPr>
-            <a:r>
-              <a:rPr lang="en-US" sz="2400" dirty="0">
-                <a:solidFill>
-                  <a:srgbClr val="000066"/>
-                </a:solidFill>
-                <a:latin typeface="Times New Roman" pitchFamily="18" charset="0"/>
-                <a:cs typeface="Times New Roman" pitchFamily="18" charset="0"/>
-              </a:rPr>
-              <a:t>2.3.3 Nhận xét</a:t>
-            </a:r>
-          </a:p>
-          <a:p>
-            <a:pPr lvl="1">
-              <a:lnSpc>
-                <a:spcPct val="150000"/>
-              </a:lnSpc>
-            </a:pPr>
-            <a:r>
-              <a:rPr lang="en-US" sz="2400" dirty="0">
-                <a:solidFill>
-                  <a:srgbClr val="000066"/>
-                </a:solidFill>
-                <a:latin typeface="Times New Roman" pitchFamily="18" charset="0"/>
-                <a:cs typeface="Times New Roman" pitchFamily="18" charset="0"/>
-              </a:rPr>
-              <a:t> 2.4 Kết luận Chương 2</a:t>
-            </a:r>
-          </a:p>
-          <a:p>
-            <a:pPr>
-              <a:lnSpc>
-                <a:spcPct val="200000"/>
-              </a:lnSpc>
-              <a:buFont typeface="Wingdings" pitchFamily="2" charset="2"/>
-              <a:buChar char="v"/>
-            </a:pPr>
-            <a:endParaRPr lang="en-US" sz="2400" dirty="0" smtClean="0">
-              <a:solidFill>
-                <a:srgbClr val="000066"/>
-              </a:solidFill>
-              <a:latin typeface="Times New Roman" pitchFamily="18" charset="0"/>
-              <a:cs typeface="Times New Roman" pitchFamily="18" charset="0"/>
-            </a:endParaRPr>
-          </a:p>
-          <a:p>
-            <a:pPr>
-              <a:lnSpc>
-                <a:spcPct val="200000"/>
-              </a:lnSpc>
-              <a:buFont typeface="Wingdings" pitchFamily="2" charset="2"/>
-              <a:buChar char="v"/>
-            </a:pPr>
-            <a:endParaRPr lang="vi-VN" sz="2400" dirty="0">
-              <a:solidFill>
-                <a:srgbClr val="000066"/>
-              </a:solidFill>
-              <a:latin typeface="Times New Roman" pitchFamily="18" charset="0"/>
-              <a:cs typeface="Times New Roman" pitchFamily="18" charset="0"/>
-            </a:endParaRPr>
+              <a:t>1.1.4 Các thư viện dùng để tạo Web Services trong Java</a:t>
+            </a:r>
           </a:p>
         </p:txBody>
       </p:sp>
@@ -4472,7 +4445,7 @@
         </p:nvSpPr>
         <p:spPr>
           <a:xfrm>
-            <a:off x="1049215" y="95495"/>
+            <a:off x="1049215" y="576775"/>
             <a:ext cx="10515600" cy="607477"/>
           </a:xfrm>
           <a:prstGeom prst="rect">
@@ -4601,7 +4574,7 @@
     </p:spTree>
     <p:extLst>
       <p:ext uri="{BB962C8B-B14F-4D97-AF65-F5344CB8AC3E}">
-        <p14:creationId xmlns:p14="http://schemas.microsoft.com/office/powerpoint/2010/main" val="607129426"/>
+        <p14:creationId xmlns:p14="http://schemas.microsoft.com/office/powerpoint/2010/main" val="2670767464"/>
       </p:ext>
     </p:extLst>
   </p:cSld>
@@ -4697,8 +4670,8 @@
         </p:nvSpPr>
         <p:spPr>
           <a:xfrm>
-            <a:off x="1049217" y="1352884"/>
-            <a:ext cx="10515599" cy="5078313"/>
+            <a:off x="1049217" y="943796"/>
+            <a:ext cx="10515599" cy="5632311"/>
           </a:xfrm>
           <a:prstGeom prst="rect">
             <a:avLst/>
@@ -4717,22 +4690,100 @@
               </a:lnSpc>
             </a:pPr>
             <a:r>
-              <a:rPr lang="en-US" sz="2400" b="1" dirty="0" smtClean="0">
+              <a:rPr lang="en-US" sz="2400" dirty="0">
                 <a:solidFill>
                   <a:srgbClr val="000066"/>
                 </a:solidFill>
                 <a:latin typeface="Times New Roman" pitchFamily="18" charset="0"/>
                 <a:cs typeface="Times New Roman" pitchFamily="18" charset="0"/>
               </a:rPr>
-              <a:t>Chương 3: Xây dựng ứng dụng trên phần mềm Eclipse</a:t>
-            </a:r>
-            <a:endParaRPr lang="en-US" sz="2400" b="1" dirty="0">
-              <a:solidFill>
-                <a:srgbClr val="000066"/>
-              </a:solidFill>
-              <a:latin typeface="Times New Roman" pitchFamily="18" charset="0"/>
-              <a:cs typeface="Times New Roman" pitchFamily="18" charset="0"/>
-            </a:endParaRPr>
+              <a:t>1.2 Kiến trúc hướng dịch vụ</a:t>
+            </a:r>
+          </a:p>
+          <a:p>
+            <a:pPr lvl="2">
+              <a:lnSpc>
+                <a:spcPct val="150000"/>
+              </a:lnSpc>
+            </a:pPr>
+            <a:r>
+              <a:rPr lang="en-US" sz="2400" dirty="0">
+                <a:solidFill>
+                  <a:srgbClr val="000066"/>
+                </a:solidFill>
+                <a:latin typeface="Times New Roman" pitchFamily="18" charset="0"/>
+                <a:cs typeface="Times New Roman" pitchFamily="18" charset="0"/>
+              </a:rPr>
+              <a:t>1.2.1 Kiến trúc hướng dịch vụ (SOA) là gì?</a:t>
+            </a:r>
+          </a:p>
+          <a:p>
+            <a:pPr lvl="2">
+              <a:lnSpc>
+                <a:spcPct val="150000"/>
+              </a:lnSpc>
+            </a:pPr>
+            <a:r>
+              <a:rPr lang="en-US" sz="2400" dirty="0">
+                <a:solidFill>
+                  <a:srgbClr val="000066"/>
+                </a:solidFill>
+                <a:latin typeface="Times New Roman" pitchFamily="18" charset="0"/>
+                <a:cs typeface="Times New Roman" pitchFamily="18" charset="0"/>
+              </a:rPr>
+              <a:t>1.2.2 Các nguyên tắc chính của hệ thống SOA</a:t>
+            </a:r>
+          </a:p>
+          <a:p>
+            <a:pPr lvl="2">
+              <a:lnSpc>
+                <a:spcPct val="150000"/>
+              </a:lnSpc>
+            </a:pPr>
+            <a:r>
+              <a:rPr lang="en-US" sz="2400" dirty="0">
+                <a:solidFill>
+                  <a:srgbClr val="000066"/>
+                </a:solidFill>
+                <a:latin typeface="Times New Roman" pitchFamily="18" charset="0"/>
+                <a:cs typeface="Times New Roman" pitchFamily="18" charset="0"/>
+              </a:rPr>
+              <a:t>1.2.3 Các tính chất của một hệ thống SOA</a:t>
+            </a:r>
+          </a:p>
+          <a:p>
+            <a:pPr lvl="2">
+              <a:lnSpc>
+                <a:spcPct val="150000"/>
+              </a:lnSpc>
+            </a:pPr>
+            <a:r>
+              <a:rPr lang="en-US" sz="2400" dirty="0">
+                <a:solidFill>
+                  <a:srgbClr val="000066"/>
+                </a:solidFill>
+                <a:latin typeface="Times New Roman" pitchFamily="18" charset="0"/>
+                <a:cs typeface="Times New Roman" pitchFamily="18" charset="0"/>
+              </a:rPr>
+              <a:t>1.2.4 Kiến trúc phân tầng chi tiết của SOA</a:t>
+            </a:r>
+          </a:p>
+          <a:p>
+            <a:pPr marL="0" lvl="2">
+              <a:lnSpc>
+                <a:spcPct val="150000"/>
+              </a:lnSpc>
+            </a:pPr>
+            <a:r>
+              <a:rPr lang="en-US" sz="2400" dirty="0">
+                <a:solidFill>
+                  <a:srgbClr val="000066"/>
+                </a:solidFill>
+                <a:latin typeface="Times New Roman" pitchFamily="18" charset="0"/>
+                <a:cs typeface="Times New Roman" pitchFamily="18" charset="0"/>
+              </a:rPr>
+              <a:t>1.3 Quy trình xây dựng SOA</a:t>
+            </a:r>
           </a:p>
           <a:p>
             <a:pPr>
@@ -4748,37 +4799,7 @@
                 <a:latin typeface="Times New Roman" pitchFamily="18" charset="0"/>
                 <a:cs typeface="Times New Roman" pitchFamily="18" charset="0"/>
               </a:rPr>
-              <a:t>    </a:t>
-            </a:r>
-            <a:r>
-              <a:rPr lang="en-US" sz="2400" dirty="0" smtClean="0">
-                <a:solidFill>
-                  <a:srgbClr val="000066"/>
-                </a:solidFill>
-                <a:latin typeface="Times New Roman" pitchFamily="18" charset="0"/>
-                <a:cs typeface="Times New Roman" pitchFamily="18" charset="0"/>
-              </a:rPr>
-              <a:t>3.1 Bài toán: </a:t>
-            </a:r>
-            <a:r>
-              <a:rPr lang="en-US" sz="2400" dirty="0">
-                <a:solidFill>
-                  <a:srgbClr val="000066"/>
-                </a:solidFill>
-                <a:latin typeface="Times New Roman" pitchFamily="18" charset="0"/>
-                <a:cs typeface="Times New Roman" pitchFamily="18" charset="0"/>
-              </a:rPr>
-              <a:t>Điều phối các lời gọi dịch vụ trong kiến trúc SOA. Mục tiêu là xây dựng một kiến trúc plugin dựa trên SOA để hỗ trợ “plug-and-play” cho một kiến trúc tích hợp phần </a:t>
-            </a:r>
-            <a:r>
-              <a:rPr lang="en-US" sz="2400" dirty="0" smtClean="0">
-                <a:solidFill>
-                  <a:srgbClr val="000066"/>
-                </a:solidFill>
-                <a:latin typeface="Times New Roman" pitchFamily="18" charset="0"/>
-                <a:cs typeface="Times New Roman" pitchFamily="18" charset="0"/>
-              </a:rPr>
-              <a:t>mềm</a:t>
+              <a:t>1.4 Ngôn ngữ thi hành quy trình nghiệp vụ - BPEL</a:t>
             </a:r>
           </a:p>
           <a:p>
@@ -4795,17 +4816,7 @@
                 <a:latin typeface="Times New Roman" pitchFamily="18" charset="0"/>
                 <a:cs typeface="Times New Roman" pitchFamily="18" charset="0"/>
               </a:rPr>
-              <a:t> </a:t>
-            </a:r>
-            <a:r>
-              <a:rPr lang="en-US" sz="2400" dirty="0" smtClean="0">
-                <a:solidFill>
-                  <a:srgbClr val="000066"/>
-                </a:solidFill>
-                <a:latin typeface="Times New Roman" pitchFamily="18" charset="0"/>
-                <a:cs typeface="Times New Roman" pitchFamily="18" charset="0"/>
-              </a:rPr>
-              <a:t>   3.2 Điều phối dịch vụ Web</a:t>
+              <a:t>	1.3.1 Giới thiệu</a:t>
             </a:r>
           </a:p>
           <a:p>
@@ -4822,17 +4833,7 @@
                 <a:latin typeface="Times New Roman" pitchFamily="18" charset="0"/>
                 <a:cs typeface="Times New Roman" pitchFamily="18" charset="0"/>
               </a:rPr>
-              <a:t> </a:t>
-            </a:r>
-            <a:r>
-              <a:rPr lang="en-US" sz="2400" dirty="0" smtClean="0">
-                <a:solidFill>
-                  <a:srgbClr val="000066"/>
-                </a:solidFill>
-                <a:latin typeface="Times New Roman" pitchFamily="18" charset="0"/>
-                <a:cs typeface="Times New Roman" pitchFamily="18" charset="0"/>
-              </a:rPr>
-              <a:t>   3.3 Xây dựng Bus dịch vụ</a:t>
+              <a:t>	1.3.2 Các khái niệm cơ bản</a:t>
             </a:r>
           </a:p>
           <a:p>
@@ -4842,53 +4843,15 @@
               </a:lnSpc>
             </a:pPr>
             <a:r>
-              <a:rPr lang="en-US" sz="2400" dirty="0" smtClean="0">
+              <a:rPr lang="en-US" sz="2400" dirty="0">
                 <a:solidFill>
                   <a:srgbClr val="000066"/>
                 </a:solidFill>
                 <a:latin typeface="Times New Roman" pitchFamily="18" charset="0"/>
                 <a:cs typeface="Times New Roman" pitchFamily="18" charset="0"/>
               </a:rPr>
-              <a:t>    3.4 Xây dựng kiến trúc “Plug-and-play” dựa trên SOA</a:t>
-            </a:r>
-          </a:p>
-          <a:p>
-            <a:pPr>
-              <a:lnSpc>
-                <a:spcPct val="150000"/>
-              </a:lnSpc>
-            </a:pPr>
-            <a:r>
-              <a:rPr lang="en-US" sz="2400" b="1" dirty="0" smtClean="0">
-                <a:solidFill>
-                  <a:srgbClr val="000066"/>
-                </a:solidFill>
-                <a:latin typeface="Times New Roman" pitchFamily="18" charset="0"/>
-                <a:cs typeface="Times New Roman" pitchFamily="18" charset="0"/>
-              </a:rPr>
-              <a:t>Phần kết luận và hướng phát triển</a:t>
-            </a:r>
-            <a:endParaRPr lang="en-US" sz="2400" b="1" dirty="0">
-              <a:solidFill>
-                <a:srgbClr val="000066"/>
-              </a:solidFill>
-              <a:latin typeface="Times New Roman" pitchFamily="18" charset="0"/>
-              <a:cs typeface="Times New Roman" pitchFamily="18" charset="0"/>
-            </a:endParaRPr>
-          </a:p>
-          <a:p>
-            <a:pPr>
-              <a:lnSpc>
-                <a:spcPct val="150000"/>
-              </a:lnSpc>
-            </a:pPr>
-            <a:endParaRPr lang="en-US" sz="2400" dirty="0">
-              <a:solidFill>
-                <a:srgbClr val="000066"/>
-              </a:solidFill>
-              <a:latin typeface="Times New Roman" pitchFamily="18" charset="0"/>
-              <a:cs typeface="Times New Roman" pitchFamily="18" charset="0"/>
-            </a:endParaRPr>
+              <a:t>1.5 Kết luận Chương 1</a:t>
+            </a:r>
           </a:p>
         </p:txBody>
       </p:sp>
@@ -4902,7 +4865,7 @@
         </p:nvSpPr>
         <p:spPr>
           <a:xfrm>
-            <a:off x="1049215" y="576775"/>
+            <a:off x="1049215" y="348167"/>
             <a:ext cx="10515600" cy="607477"/>
           </a:xfrm>
           <a:prstGeom prst="rect">
@@ -5007,12 +4970,7 @@
             <p:ph type="sldNum" sz="quarter" idx="12"/>
           </p:nvPr>
         </p:nvSpPr>
-        <p:spPr>
-          <a:xfrm>
-            <a:off x="8646697" y="6356352"/>
-            <a:ext cx="2743200" cy="365125"/>
-          </a:xfrm>
-        </p:spPr>
+        <p:spPr/>
         <p:txBody>
           <a:bodyPr/>
           <a:lstStyle/>
@@ -5036,7 +4994,7 @@
     </p:spTree>
     <p:extLst>
       <p:ext uri="{BB962C8B-B14F-4D97-AF65-F5344CB8AC3E}">
-        <p14:creationId xmlns:p14="http://schemas.microsoft.com/office/powerpoint/2010/main" val="4164735330"/>
+        <p14:creationId xmlns:p14="http://schemas.microsoft.com/office/powerpoint/2010/main" val="691562211"/>
       </p:ext>
     </p:extLst>
   </p:cSld>
@@ -5126,6 +5084,718 @@
       </p:sp>
       <p:sp>
         <p:nvSpPr>
+          <p:cNvPr id="7" name="TextBox 6"/>
+          <p:cNvSpPr txBox="1"/>
+          <p:nvPr/>
+        </p:nvSpPr>
+        <p:spPr>
+          <a:xfrm>
+            <a:off x="1049217" y="618930"/>
+            <a:ext cx="10515599" cy="7663636"/>
+          </a:xfrm>
+          <a:prstGeom prst="rect">
+            <a:avLst/>
+          </a:prstGeom>
+          <a:noFill/>
+        </p:spPr>
+        <p:txBody>
+          <a:bodyPr wrap="square" rtlCol="0">
+            <a:spAutoFit/>
+          </a:bodyPr>
+          <a:lstStyle/>
+          <a:p>
+            <a:pPr>
+              <a:lnSpc>
+                <a:spcPct val="150000"/>
+              </a:lnSpc>
+            </a:pPr>
+            <a:r>
+              <a:rPr lang="en-US" sz="2400" b="1" dirty="0">
+                <a:solidFill>
+                  <a:srgbClr val="000066"/>
+                </a:solidFill>
+                <a:latin typeface="Times New Roman" pitchFamily="18" charset="0"/>
+                <a:cs typeface="Times New Roman" pitchFamily="18" charset="0"/>
+              </a:rPr>
+              <a:t>Chương 2: </a:t>
+            </a:r>
+            <a:r>
+              <a:rPr lang="en-US" sz="2400" b="1" dirty="0" smtClean="0">
+                <a:solidFill>
+                  <a:srgbClr val="000066"/>
+                </a:solidFill>
+                <a:latin typeface="Times New Roman" pitchFamily="18" charset="0"/>
+                <a:cs typeface="Times New Roman" pitchFamily="18" charset="0"/>
+              </a:rPr>
+              <a:t>Khung </a:t>
+            </a:r>
+            <a:r>
+              <a:rPr lang="en-US" sz="2400" b="1" dirty="0">
+                <a:solidFill>
+                  <a:srgbClr val="000066"/>
+                </a:solidFill>
+                <a:latin typeface="Times New Roman" pitchFamily="18" charset="0"/>
+                <a:cs typeface="Times New Roman" pitchFamily="18" charset="0"/>
+              </a:rPr>
+              <a:t>ứng dụng hỗ trợ lập trình SOA</a:t>
+            </a:r>
+          </a:p>
+          <a:p>
+            <a:pPr lvl="1">
+              <a:lnSpc>
+                <a:spcPct val="150000"/>
+              </a:lnSpc>
+            </a:pPr>
+            <a:r>
+              <a:rPr lang="en-US" sz="2400" dirty="0">
+                <a:solidFill>
+                  <a:srgbClr val="000066"/>
+                </a:solidFill>
+                <a:latin typeface="Times New Roman" pitchFamily="18" charset="0"/>
+                <a:cs typeface="Times New Roman" pitchFamily="18" charset="0"/>
+              </a:rPr>
+              <a:t> </a:t>
+            </a:r>
+            <a:r>
+              <a:rPr lang="en-US" sz="2400" dirty="0" smtClean="0">
+                <a:solidFill>
+                  <a:srgbClr val="000066"/>
+                </a:solidFill>
+                <a:latin typeface="Times New Roman" pitchFamily="18" charset="0"/>
+                <a:cs typeface="Times New Roman" pitchFamily="18" charset="0"/>
+              </a:rPr>
+              <a:t>2.1 Nền </a:t>
+            </a:r>
+            <a:r>
+              <a:rPr lang="en-US" sz="2400" dirty="0">
+                <a:solidFill>
+                  <a:srgbClr val="000066"/>
+                </a:solidFill>
+                <a:latin typeface="Times New Roman" pitchFamily="18" charset="0"/>
+                <a:cs typeface="Times New Roman" pitchFamily="18" charset="0"/>
+              </a:rPr>
+              <a:t>tảng Eclipse</a:t>
+            </a:r>
+          </a:p>
+          <a:p>
+            <a:pPr lvl="2">
+              <a:lnSpc>
+                <a:spcPct val="150000"/>
+              </a:lnSpc>
+            </a:pPr>
+            <a:r>
+              <a:rPr lang="en-US" sz="2400" dirty="0">
+                <a:solidFill>
+                  <a:srgbClr val="000066"/>
+                </a:solidFill>
+                <a:latin typeface="Times New Roman" pitchFamily="18" charset="0"/>
+                <a:cs typeface="Times New Roman" pitchFamily="18" charset="0"/>
+              </a:rPr>
+              <a:t>2.1.1 Giới thiệu</a:t>
+            </a:r>
+          </a:p>
+          <a:p>
+            <a:pPr lvl="2">
+              <a:lnSpc>
+                <a:spcPct val="150000"/>
+              </a:lnSpc>
+            </a:pPr>
+            <a:r>
+              <a:rPr lang="en-US" sz="2400" dirty="0">
+                <a:solidFill>
+                  <a:srgbClr val="000066"/>
+                </a:solidFill>
+                <a:latin typeface="Times New Roman" pitchFamily="18" charset="0"/>
+                <a:cs typeface="Times New Roman" pitchFamily="18" charset="0"/>
+              </a:rPr>
+              <a:t>2.1.2 Các thành phần và kiến trúc</a:t>
+            </a:r>
+          </a:p>
+          <a:p>
+            <a:pPr lvl="2">
+              <a:lnSpc>
+                <a:spcPct val="150000"/>
+              </a:lnSpc>
+            </a:pPr>
+            <a:r>
+              <a:rPr lang="en-US" sz="2400" dirty="0">
+                <a:solidFill>
+                  <a:srgbClr val="000066"/>
+                </a:solidFill>
+                <a:latin typeface="Times New Roman" pitchFamily="18" charset="0"/>
+                <a:cs typeface="Times New Roman" pitchFamily="18" charset="0"/>
+              </a:rPr>
+              <a:t>2.1.3 Eclipse và SOA</a:t>
+            </a:r>
+          </a:p>
+          <a:p>
+            <a:pPr lvl="1">
+              <a:lnSpc>
+                <a:spcPct val="150000"/>
+              </a:lnSpc>
+            </a:pPr>
+            <a:r>
+              <a:rPr lang="en-US" sz="2400" dirty="0">
+                <a:solidFill>
+                  <a:srgbClr val="000066"/>
+                </a:solidFill>
+                <a:latin typeface="Times New Roman" pitchFamily="18" charset="0"/>
+                <a:cs typeface="Times New Roman" pitchFamily="18" charset="0"/>
+              </a:rPr>
+              <a:t> 2.2 Kiến trúc SOA trong Eclipse</a:t>
+            </a:r>
+          </a:p>
+          <a:p>
+            <a:pPr lvl="1">
+              <a:lnSpc>
+                <a:spcPct val="150000"/>
+              </a:lnSpc>
+            </a:pPr>
+            <a:r>
+              <a:rPr lang="en-US" sz="2400" dirty="0">
+                <a:solidFill>
+                  <a:srgbClr val="000066"/>
+                </a:solidFill>
+                <a:latin typeface="Times New Roman" pitchFamily="18" charset="0"/>
+                <a:cs typeface="Times New Roman" pitchFamily="18" charset="0"/>
+              </a:rPr>
+              <a:t> 2.3 Kiến trúc plug-in của Eclipse</a:t>
+            </a:r>
+          </a:p>
+          <a:p>
+            <a:pPr lvl="2">
+              <a:lnSpc>
+                <a:spcPct val="150000"/>
+              </a:lnSpc>
+            </a:pPr>
+            <a:r>
+              <a:rPr lang="en-US" sz="2400" dirty="0">
+                <a:solidFill>
+                  <a:srgbClr val="000066"/>
+                </a:solidFill>
+                <a:latin typeface="Times New Roman" pitchFamily="18" charset="0"/>
+                <a:cs typeface="Times New Roman" pitchFamily="18" charset="0"/>
+              </a:rPr>
+              <a:t>2.3.1 Đặc điểm và cấu hình</a:t>
+            </a:r>
+          </a:p>
+          <a:p>
+            <a:pPr lvl="2">
+              <a:lnSpc>
+                <a:spcPct val="150000"/>
+              </a:lnSpc>
+            </a:pPr>
+            <a:r>
+              <a:rPr lang="en-US" sz="2400" dirty="0">
+                <a:solidFill>
+                  <a:srgbClr val="000066"/>
+                </a:solidFill>
+                <a:latin typeface="Times New Roman" pitchFamily="18" charset="0"/>
+                <a:cs typeface="Times New Roman" pitchFamily="18" charset="0"/>
+              </a:rPr>
+              <a:t>2.3.2 Tuỳ biến với dịch vụ Web</a:t>
+            </a:r>
+          </a:p>
+          <a:p>
+            <a:pPr lvl="2">
+              <a:lnSpc>
+                <a:spcPct val="150000"/>
+              </a:lnSpc>
+            </a:pPr>
+            <a:r>
+              <a:rPr lang="en-US" sz="2400" dirty="0">
+                <a:solidFill>
+                  <a:srgbClr val="000066"/>
+                </a:solidFill>
+                <a:latin typeface="Times New Roman" pitchFamily="18" charset="0"/>
+                <a:cs typeface="Times New Roman" pitchFamily="18" charset="0"/>
+              </a:rPr>
+              <a:t>2.3.3 Nhận xét</a:t>
+            </a:r>
+          </a:p>
+          <a:p>
+            <a:pPr lvl="1">
+              <a:lnSpc>
+                <a:spcPct val="150000"/>
+              </a:lnSpc>
+            </a:pPr>
+            <a:r>
+              <a:rPr lang="en-US" sz="2400" dirty="0">
+                <a:solidFill>
+                  <a:srgbClr val="000066"/>
+                </a:solidFill>
+                <a:latin typeface="Times New Roman" pitchFamily="18" charset="0"/>
+                <a:cs typeface="Times New Roman" pitchFamily="18" charset="0"/>
+              </a:rPr>
+              <a:t> 2.4 Kết luận Chương 2</a:t>
+            </a:r>
+          </a:p>
+          <a:p>
+            <a:pPr>
+              <a:lnSpc>
+                <a:spcPct val="200000"/>
+              </a:lnSpc>
+              <a:buFont typeface="Wingdings" pitchFamily="2" charset="2"/>
+              <a:buChar char="v"/>
+            </a:pPr>
+            <a:endParaRPr lang="en-US" sz="2400" dirty="0" smtClean="0">
+              <a:solidFill>
+                <a:srgbClr val="000066"/>
+              </a:solidFill>
+              <a:latin typeface="Times New Roman" pitchFamily="18" charset="0"/>
+              <a:cs typeface="Times New Roman" pitchFamily="18" charset="0"/>
+            </a:endParaRPr>
+          </a:p>
+          <a:p>
+            <a:pPr>
+              <a:lnSpc>
+                <a:spcPct val="200000"/>
+              </a:lnSpc>
+              <a:buFont typeface="Wingdings" pitchFamily="2" charset="2"/>
+              <a:buChar char="v"/>
+            </a:pPr>
+            <a:endParaRPr lang="vi-VN" sz="2400" dirty="0">
+              <a:solidFill>
+                <a:srgbClr val="000066"/>
+              </a:solidFill>
+              <a:latin typeface="Times New Roman" pitchFamily="18" charset="0"/>
+              <a:cs typeface="Times New Roman" pitchFamily="18" charset="0"/>
+            </a:endParaRPr>
+          </a:p>
+        </p:txBody>
+      </p:sp>
+      <p:sp>
+        <p:nvSpPr>
+          <p:cNvPr id="5" name="Title 1"/>
+          <p:cNvSpPr txBox="1">
+            <a:spLocks/>
+          </p:cNvSpPr>
+          <p:nvPr/>
+        </p:nvSpPr>
+        <p:spPr>
+          <a:xfrm>
+            <a:off x="1049215" y="95495"/>
+            <a:ext cx="10515600" cy="607477"/>
+          </a:xfrm>
+          <a:prstGeom prst="rect">
+            <a:avLst/>
+          </a:prstGeom>
+        </p:spPr>
+        <p:style>
+          <a:lnRef idx="0">
+            <a:schemeClr val="accent1"/>
+          </a:lnRef>
+          <a:fillRef idx="3">
+            <a:schemeClr val="accent1"/>
+          </a:fillRef>
+          <a:effectRef idx="3">
+            <a:schemeClr val="accent1"/>
+          </a:effectRef>
+          <a:fontRef idx="minor">
+            <a:schemeClr val="lt1"/>
+          </a:fontRef>
+        </p:style>
+        <p:txBody>
+          <a:bodyPr vert="horz" lIns="91440" tIns="45720" rIns="91440" bIns="45720" rtlCol="0" anchor="b">
+            <a:noAutofit/>
+          </a:bodyPr>
+          <a:lstStyle>
+            <a:lvl1pPr algn="ctr" defTabSz="914400" rtl="0" eaLnBrk="1" latinLnBrk="0" hangingPunct="1">
+              <a:lnSpc>
+                <a:spcPct val="90000"/>
+              </a:lnSpc>
+              <a:spcBef>
+                <a:spcPct val="0"/>
+              </a:spcBef>
+              <a:buNone/>
+              <a:defRPr sz="6000" kern="1200">
+                <a:solidFill>
+                  <a:schemeClr val="tx1"/>
+                </a:solidFill>
+                <a:latin typeface="+mj-lt"/>
+                <a:ea typeface="+mj-ea"/>
+                <a:cs typeface="+mj-cs"/>
+              </a:defRPr>
+            </a:lvl1pPr>
+          </a:lstStyle>
+          <a:p>
+            <a:r>
+              <a:rPr lang="en-US" sz="3600" b="1" spc="50" dirty="0" smtClean="0">
+                <a:ln w="9525" cmpd="sng">
+                  <a:solidFill>
+                    <a:schemeClr val="accent1"/>
+                  </a:solidFill>
+                  <a:prstDash val="solid"/>
+                </a:ln>
+                <a:solidFill>
+                  <a:srgbClr val="70AD47">
+                    <a:tint val="1000"/>
+                  </a:srgbClr>
+                </a:solidFill>
+                <a:effectLst>
+                  <a:glow rad="38100">
+                    <a:schemeClr val="accent1">
+                      <a:alpha val="40000"/>
+                    </a:schemeClr>
+                  </a:glow>
+                </a:effectLst>
+                <a:latin typeface="Times New Roman" panose="02020603050405020304" pitchFamily="18" charset="0"/>
+                <a:cs typeface="Times New Roman" panose="02020603050405020304" pitchFamily="18" charset="0"/>
+              </a:rPr>
+              <a:t>DỰ KIẾN BỐ CỤC LUẬN VĂN</a:t>
+            </a:r>
+            <a:endParaRPr lang="en-US" sz="3600" b="1" spc="50" dirty="0">
+              <a:ln w="9525" cmpd="sng">
+                <a:solidFill>
+                  <a:schemeClr val="accent1"/>
+                </a:solidFill>
+                <a:prstDash val="solid"/>
+              </a:ln>
+              <a:solidFill>
+                <a:srgbClr val="70AD47">
+                  <a:tint val="1000"/>
+                </a:srgbClr>
+              </a:solidFill>
+              <a:effectLst>
+                <a:glow rad="38100">
+                  <a:schemeClr val="accent1">
+                    <a:alpha val="40000"/>
+                  </a:schemeClr>
+                </a:glow>
+              </a:effectLst>
+              <a:latin typeface="Times New Roman" panose="02020603050405020304" pitchFamily="18" charset="0"/>
+              <a:cs typeface="Times New Roman" panose="02020603050405020304" pitchFamily="18" charset="0"/>
+            </a:endParaRPr>
+          </a:p>
+        </p:txBody>
+      </p:sp>
+      <p:sp>
+        <p:nvSpPr>
+          <p:cNvPr id="4" name="Slide Number Placeholder 3"/>
+          <p:cNvSpPr>
+            <a:spLocks noGrp="1"/>
+          </p:cNvSpPr>
+          <p:nvPr>
+            <p:ph type="sldNum" sz="quarter" idx="12"/>
+          </p:nvPr>
+        </p:nvSpPr>
+        <p:spPr/>
+        <p:txBody>
+          <a:bodyPr/>
+          <a:lstStyle/>
+          <a:p>
+            <a:fld id="{6AAF2C3B-9B77-47AC-B3C0-E8FD61040158}" type="slidenum">
+              <a:rPr lang="en-US" smtClean="0">
+                <a:solidFill>
+                  <a:schemeClr val="bg1"/>
+                </a:solidFill>
+              </a:rPr>
+              <a:t>11</a:t>
+            </a:fld>
+            <a:endParaRPr lang="en-US" dirty="0">
+              <a:solidFill>
+                <a:schemeClr val="bg1"/>
+              </a:solidFill>
+            </a:endParaRPr>
+          </a:p>
+        </p:txBody>
+      </p:sp>
+    </p:spTree>
+    <p:extLst>
+      <p:ext uri="{BB962C8B-B14F-4D97-AF65-F5344CB8AC3E}">
+        <p14:creationId xmlns:p14="http://schemas.microsoft.com/office/powerpoint/2010/main" val="607129426"/>
+      </p:ext>
+    </p:extLst>
+  </p:cSld>
+  <p:clrMapOvr>
+    <a:overrideClrMapping bg1="lt1" tx1="dk1" bg2="lt2" tx2="dk2" accent1="accent1" accent2="accent2" accent3="accent3" accent4="accent4" accent5="accent5" accent6="accent6" hlink="hlink" folHlink="folHlink"/>
+  </p:clrMapOvr>
+  <p:timing>
+    <p:tnLst>
+      <p:par>
+        <p:cTn id="1" dur="indefinite" restart="never" nodeType="tmRoot"/>
+      </p:par>
+    </p:tnLst>
+  </p:timing>
+</p:sld>
+</file>
+
+<file path=ppt/slides/slide13.xml><?xml version="1.0" encoding="utf-8"?>
+<p:sld xmlns:a="http://schemas.openxmlformats.org/drawingml/2006/main" xmlns:r="http://schemas.openxmlformats.org/officeDocument/2006/relationships" xmlns:p="http://schemas.openxmlformats.org/presentationml/2006/main">
+  <p:cSld>
+    <p:bg>
+      <p:bgPr>
+        <a:blipFill dpi="0" rotWithShape="1">
+          <a:blip r:embed="rId3">
+            <a:lum/>
+          </a:blip>
+          <a:srcRect/>
+          <a:stretch>
+            <a:fillRect t="-21000" b="-21000"/>
+          </a:stretch>
+        </a:blipFill>
+        <a:effectLst/>
+      </p:bgPr>
+    </p:bg>
+    <p:spTree>
+      <p:nvGrpSpPr>
+        <p:cNvPr id="1" name=""/>
+        <p:cNvGrpSpPr/>
+        <p:nvPr/>
+      </p:nvGrpSpPr>
+      <p:grpSpPr>
+        <a:xfrm>
+          <a:off x="0" y="0"/>
+          <a:ext cx="0" cy="0"/>
+          <a:chOff x="0" y="0"/>
+          <a:chExt cx="0" cy="0"/>
+        </a:xfrm>
+      </p:grpSpPr>
+      <p:sp>
+        <p:nvSpPr>
+          <p:cNvPr id="9" name="Oval 8"/>
+          <p:cNvSpPr/>
+          <p:nvPr/>
+        </p:nvSpPr>
+        <p:spPr>
+          <a:xfrm>
+            <a:off x="11032956" y="6340641"/>
+            <a:ext cx="360948" cy="372979"/>
+          </a:xfrm>
+          <a:prstGeom prst="ellipse">
+            <a:avLst/>
+          </a:prstGeom>
+        </p:spPr>
+        <p:style>
+          <a:lnRef idx="2">
+            <a:schemeClr val="accent1">
+              <a:shade val="50000"/>
+            </a:schemeClr>
+          </a:lnRef>
+          <a:fillRef idx="1">
+            <a:schemeClr val="accent1"/>
+          </a:fillRef>
+          <a:effectRef idx="0">
+            <a:schemeClr val="accent1"/>
+          </a:effectRef>
+          <a:fontRef idx="minor">
+            <a:schemeClr val="lt1"/>
+          </a:fontRef>
+        </p:style>
+        <p:txBody>
+          <a:bodyPr rtlCol="0" anchor="ctr"/>
+          <a:lstStyle/>
+          <a:p>
+            <a:pPr algn="ctr"/>
+            <a:endParaRPr lang="en-US"/>
+          </a:p>
+        </p:txBody>
+      </p:sp>
+      <p:sp>
+        <p:nvSpPr>
+          <p:cNvPr id="7" name="TextBox 6"/>
+          <p:cNvSpPr txBox="1"/>
+          <p:nvPr/>
+        </p:nvSpPr>
+        <p:spPr>
+          <a:xfrm>
+            <a:off x="1049217" y="1352884"/>
+            <a:ext cx="10515599" cy="5078313"/>
+          </a:xfrm>
+          <a:prstGeom prst="rect">
+            <a:avLst/>
+          </a:prstGeom>
+          <a:noFill/>
+        </p:spPr>
+        <p:txBody>
+          <a:bodyPr wrap="square" rtlCol="0">
+            <a:spAutoFit/>
+          </a:bodyPr>
+          <a:lstStyle/>
+          <a:p>
+            <a:pPr>
+              <a:lnSpc>
+                <a:spcPct val="150000"/>
+              </a:lnSpc>
+            </a:pPr>
+            <a:r>
+              <a:rPr lang="en-US" sz="2400" b="1" dirty="0" smtClean="0">
+                <a:solidFill>
+                  <a:srgbClr val="000066"/>
+                </a:solidFill>
+                <a:latin typeface="Times New Roman" pitchFamily="18" charset="0"/>
+                <a:cs typeface="Times New Roman" pitchFamily="18" charset="0"/>
+              </a:rPr>
+              <a:t>Chương 3: Xây dựng ứng dụng trên phần mềm Eclipse</a:t>
+            </a:r>
+            <a:endParaRPr lang="en-US" sz="2400" b="1" dirty="0">
+              <a:solidFill>
+                <a:srgbClr val="000066"/>
+              </a:solidFill>
+              <a:latin typeface="Times New Roman" pitchFamily="18" charset="0"/>
+              <a:cs typeface="Times New Roman" pitchFamily="18" charset="0"/>
+            </a:endParaRPr>
+          </a:p>
+          <a:p>
+            <a:pPr>
+              <a:lnSpc>
+                <a:spcPct val="150000"/>
+              </a:lnSpc>
+            </a:pPr>
+            <a:r>
+              <a:rPr lang="en-US" sz="2400" dirty="0">
+                <a:solidFill>
+                  <a:srgbClr val="000066"/>
+                </a:solidFill>
+                <a:latin typeface="Times New Roman" pitchFamily="18" charset="0"/>
+                <a:cs typeface="Times New Roman" pitchFamily="18" charset="0"/>
+              </a:rPr>
+              <a:t>    </a:t>
+            </a:r>
+            <a:r>
+              <a:rPr lang="en-US" sz="2400" dirty="0" smtClean="0">
+                <a:solidFill>
+                  <a:srgbClr val="000066"/>
+                </a:solidFill>
+                <a:latin typeface="Times New Roman" pitchFamily="18" charset="0"/>
+                <a:cs typeface="Times New Roman" pitchFamily="18" charset="0"/>
+              </a:rPr>
+              <a:t>3.1 Bài toán: </a:t>
+            </a:r>
+            <a:r>
+              <a:rPr lang="en-US" sz="2400" dirty="0">
+                <a:solidFill>
+                  <a:srgbClr val="000066"/>
+                </a:solidFill>
+                <a:latin typeface="Times New Roman" pitchFamily="18" charset="0"/>
+                <a:cs typeface="Times New Roman" pitchFamily="18" charset="0"/>
+              </a:rPr>
+              <a:t>Điều phối các lời gọi dịch vụ trong kiến trúc SOA. Mục tiêu là xây dựng một kiến trúc plugin dựa trên SOA để hỗ trợ “plug-and-play” cho một kiến trúc tích hợp phần </a:t>
+            </a:r>
+            <a:r>
+              <a:rPr lang="en-US" sz="2400" dirty="0" smtClean="0">
+                <a:solidFill>
+                  <a:srgbClr val="000066"/>
+                </a:solidFill>
+                <a:latin typeface="Times New Roman" pitchFamily="18" charset="0"/>
+                <a:cs typeface="Times New Roman" pitchFamily="18" charset="0"/>
+              </a:rPr>
+              <a:t>mềm</a:t>
+            </a:r>
+          </a:p>
+          <a:p>
+            <a:pPr>
+              <a:lnSpc>
+                <a:spcPct val="150000"/>
+              </a:lnSpc>
+            </a:pPr>
+            <a:r>
+              <a:rPr lang="en-US" sz="2400" dirty="0">
+                <a:solidFill>
+                  <a:srgbClr val="000066"/>
+                </a:solidFill>
+                <a:latin typeface="Times New Roman" pitchFamily="18" charset="0"/>
+                <a:cs typeface="Times New Roman" pitchFamily="18" charset="0"/>
+              </a:rPr>
+              <a:t> </a:t>
+            </a:r>
+            <a:r>
+              <a:rPr lang="en-US" sz="2400" dirty="0" smtClean="0">
+                <a:solidFill>
+                  <a:srgbClr val="000066"/>
+                </a:solidFill>
+                <a:latin typeface="Times New Roman" pitchFamily="18" charset="0"/>
+                <a:cs typeface="Times New Roman" pitchFamily="18" charset="0"/>
+              </a:rPr>
+              <a:t>   3.2 Điều phối dịch vụ Web</a:t>
+            </a:r>
+          </a:p>
+          <a:p>
+            <a:pPr>
+              <a:lnSpc>
+                <a:spcPct val="150000"/>
+              </a:lnSpc>
+            </a:pPr>
+            <a:r>
+              <a:rPr lang="en-US" sz="2400" dirty="0">
+                <a:solidFill>
+                  <a:srgbClr val="000066"/>
+                </a:solidFill>
+                <a:latin typeface="Times New Roman" pitchFamily="18" charset="0"/>
+                <a:cs typeface="Times New Roman" pitchFamily="18" charset="0"/>
+              </a:rPr>
+              <a:t> </a:t>
+            </a:r>
+            <a:r>
+              <a:rPr lang="en-US" sz="2400" dirty="0" smtClean="0">
+                <a:solidFill>
+                  <a:srgbClr val="000066"/>
+                </a:solidFill>
+                <a:latin typeface="Times New Roman" pitchFamily="18" charset="0"/>
+                <a:cs typeface="Times New Roman" pitchFamily="18" charset="0"/>
+              </a:rPr>
+              <a:t>   3.3 Xây dựng Bus dịch vụ</a:t>
+            </a:r>
+          </a:p>
+          <a:p>
+            <a:pPr>
+              <a:lnSpc>
+                <a:spcPct val="150000"/>
+              </a:lnSpc>
+            </a:pPr>
+            <a:r>
+              <a:rPr lang="en-US" sz="2400" dirty="0" smtClean="0">
+                <a:solidFill>
+                  <a:srgbClr val="000066"/>
+                </a:solidFill>
+                <a:latin typeface="Times New Roman" pitchFamily="18" charset="0"/>
+                <a:cs typeface="Times New Roman" pitchFamily="18" charset="0"/>
+              </a:rPr>
+              <a:t>    3.4 Xây dựng kiến trúc “Plug-and-play” dựa trên SOA</a:t>
+            </a:r>
+          </a:p>
+          <a:p>
+            <a:pPr>
+              <a:lnSpc>
+                <a:spcPct val="150000"/>
+              </a:lnSpc>
+            </a:pPr>
+            <a:r>
+              <a:rPr lang="en-US" sz="2400" b="1" dirty="0" smtClean="0">
+                <a:solidFill>
+                  <a:srgbClr val="000066"/>
+                </a:solidFill>
+                <a:latin typeface="Times New Roman" pitchFamily="18" charset="0"/>
+                <a:cs typeface="Times New Roman" pitchFamily="18" charset="0"/>
+              </a:rPr>
+              <a:t>Phần kết luận và hướng phát triển</a:t>
+            </a:r>
+            <a:endParaRPr lang="en-US" sz="2400" b="1" dirty="0">
+              <a:solidFill>
+                <a:srgbClr val="000066"/>
+              </a:solidFill>
+              <a:latin typeface="Times New Roman" pitchFamily="18" charset="0"/>
+              <a:cs typeface="Times New Roman" pitchFamily="18" charset="0"/>
+            </a:endParaRPr>
+          </a:p>
+          <a:p>
+            <a:pPr>
+              <a:lnSpc>
+                <a:spcPct val="150000"/>
+              </a:lnSpc>
+            </a:pPr>
+            <a:endParaRPr lang="en-US" sz="2400" dirty="0">
+              <a:solidFill>
+                <a:srgbClr val="000066"/>
+              </a:solidFill>
+              <a:latin typeface="Times New Roman" pitchFamily="18" charset="0"/>
+              <a:cs typeface="Times New Roman" pitchFamily="18" charset="0"/>
+            </a:endParaRPr>
+          </a:p>
+        </p:txBody>
+      </p:sp>
+      <p:sp>
+        <p:nvSpPr>
           <p:cNvPr id="5" name="Title 1"/>
           <p:cNvSpPr txBox="1">
             <a:spLocks/>
@@ -5202,7 +5872,7 @@
                 <a:latin typeface="Times New Roman" panose="02020603050405020304" pitchFamily="18" charset="0"/>
                 <a:cs typeface="Times New Roman" panose="02020603050405020304" pitchFamily="18" charset="0"/>
               </a:rPr>
-              <a:t>KẾ HOẠCH NGHIÊN CỨU</a:t>
+              <a:t>DỰ KIẾN BỐ CỤC LUẬN VĂN</a:t>
             </a:r>
             <a:endParaRPr lang="en-US" sz="3600" b="1" spc="50" dirty="0">
               <a:ln w="9525" cmpd="sng">
@@ -5255,7 +5925,239 @@
                   <a:schemeClr val="bg1"/>
                 </a:solidFill>
               </a:rPr>
-              <a:t>11</a:t>
+              <a:t>12</a:t>
+            </a:fld>
+            <a:endParaRPr lang="en-US" dirty="0">
+              <a:solidFill>
+                <a:schemeClr val="bg1"/>
+              </a:solidFill>
+            </a:endParaRPr>
+          </a:p>
+        </p:txBody>
+      </p:sp>
+    </p:spTree>
+    <p:extLst>
+      <p:ext uri="{BB962C8B-B14F-4D97-AF65-F5344CB8AC3E}">
+        <p14:creationId xmlns:p14="http://schemas.microsoft.com/office/powerpoint/2010/main" val="4164735330"/>
+      </p:ext>
+    </p:extLst>
+  </p:cSld>
+  <p:clrMapOvr>
+    <a:overrideClrMapping bg1="lt1" tx1="dk1" bg2="lt2" tx2="dk2" accent1="accent1" accent2="accent2" accent3="accent3" accent4="accent4" accent5="accent5" accent6="accent6" hlink="hlink" folHlink="folHlink"/>
+  </p:clrMapOvr>
+  <p:timing>
+    <p:tnLst>
+      <p:par>
+        <p:cTn id="1" dur="indefinite" restart="never" nodeType="tmRoot"/>
+      </p:par>
+    </p:tnLst>
+  </p:timing>
+</p:sld>
+</file>
+
+<file path=ppt/slides/slide14.xml><?xml version="1.0" encoding="utf-8"?>
+<p:sld xmlns:a="http://schemas.openxmlformats.org/drawingml/2006/main" xmlns:r="http://schemas.openxmlformats.org/officeDocument/2006/relationships" xmlns:p="http://schemas.openxmlformats.org/presentationml/2006/main">
+  <p:cSld>
+    <p:bg>
+      <p:bgPr>
+        <a:blipFill dpi="0" rotWithShape="1">
+          <a:blip r:embed="rId3">
+            <a:lum/>
+          </a:blip>
+          <a:srcRect/>
+          <a:stretch>
+            <a:fillRect t="-21000" b="-21000"/>
+          </a:stretch>
+        </a:blipFill>
+        <a:effectLst/>
+      </p:bgPr>
+    </p:bg>
+    <p:spTree>
+      <p:nvGrpSpPr>
+        <p:cNvPr id="1" name=""/>
+        <p:cNvGrpSpPr/>
+        <p:nvPr/>
+      </p:nvGrpSpPr>
+      <p:grpSpPr>
+        <a:xfrm>
+          <a:off x="0" y="0"/>
+          <a:ext cx="0" cy="0"/>
+          <a:chOff x="0" y="0"/>
+          <a:chExt cx="0" cy="0"/>
+        </a:xfrm>
+      </p:grpSpPr>
+      <p:sp>
+        <p:nvSpPr>
+          <p:cNvPr id="9" name="Oval 8"/>
+          <p:cNvSpPr/>
+          <p:nvPr/>
+        </p:nvSpPr>
+        <p:spPr>
+          <a:xfrm>
+            <a:off x="11032956" y="6340641"/>
+            <a:ext cx="360948" cy="372979"/>
+          </a:xfrm>
+          <a:prstGeom prst="ellipse">
+            <a:avLst/>
+          </a:prstGeom>
+        </p:spPr>
+        <p:style>
+          <a:lnRef idx="2">
+            <a:schemeClr val="accent1">
+              <a:shade val="50000"/>
+            </a:schemeClr>
+          </a:lnRef>
+          <a:fillRef idx="1">
+            <a:schemeClr val="accent1"/>
+          </a:fillRef>
+          <a:effectRef idx="0">
+            <a:schemeClr val="accent1"/>
+          </a:effectRef>
+          <a:fontRef idx="minor">
+            <a:schemeClr val="lt1"/>
+          </a:fontRef>
+        </p:style>
+        <p:txBody>
+          <a:bodyPr rtlCol="0" anchor="ctr"/>
+          <a:lstStyle/>
+          <a:p>
+            <a:pPr algn="ctr"/>
+            <a:endParaRPr lang="en-US"/>
+          </a:p>
+        </p:txBody>
+      </p:sp>
+      <p:sp>
+        <p:nvSpPr>
+          <p:cNvPr id="5" name="Title 1"/>
+          <p:cNvSpPr txBox="1">
+            <a:spLocks/>
+          </p:cNvSpPr>
+          <p:nvPr/>
+        </p:nvSpPr>
+        <p:spPr>
+          <a:xfrm>
+            <a:off x="1049215" y="576775"/>
+            <a:ext cx="10515600" cy="607477"/>
+          </a:xfrm>
+          <a:prstGeom prst="rect">
+            <a:avLst/>
+          </a:prstGeom>
+        </p:spPr>
+        <p:style>
+          <a:lnRef idx="0">
+            <a:schemeClr val="accent1"/>
+          </a:lnRef>
+          <a:fillRef idx="3">
+            <a:schemeClr val="accent1"/>
+          </a:fillRef>
+          <a:effectRef idx="3">
+            <a:schemeClr val="accent1"/>
+          </a:effectRef>
+          <a:fontRef idx="minor">
+            <a:schemeClr val="lt1"/>
+          </a:fontRef>
+        </p:style>
+        <p:txBody>
+          <a:bodyPr vert="horz" lIns="91440" tIns="45720" rIns="91440" bIns="45720" rtlCol="0" anchor="b">
+            <a:noAutofit/>
+          </a:bodyPr>
+          <a:lstStyle>
+            <a:lvl1pPr algn="ctr" defTabSz="914400" rtl="0" eaLnBrk="1" latinLnBrk="0" hangingPunct="1">
+              <a:lnSpc>
+                <a:spcPct val="90000"/>
+              </a:lnSpc>
+              <a:spcBef>
+                <a:spcPct val="0"/>
+              </a:spcBef>
+              <a:buNone/>
+              <a:defRPr sz="6000" kern="1200">
+                <a:solidFill>
+                  <a:schemeClr val="tx1"/>
+                </a:solidFill>
+                <a:latin typeface="+mj-lt"/>
+                <a:ea typeface="+mj-ea"/>
+                <a:cs typeface="+mj-cs"/>
+              </a:defRPr>
+            </a:lvl1pPr>
+          </a:lstStyle>
+          <a:p>
+            <a:r>
+              <a:rPr lang="en-US" sz="3600" b="1" spc="50" dirty="0" smtClean="0">
+                <a:ln w="9525" cmpd="sng">
+                  <a:solidFill>
+                    <a:schemeClr val="accent1"/>
+                  </a:solidFill>
+                  <a:prstDash val="solid"/>
+                </a:ln>
+                <a:solidFill>
+                  <a:srgbClr val="70AD47">
+                    <a:tint val="1000"/>
+                  </a:srgbClr>
+                </a:solidFill>
+                <a:effectLst>
+                  <a:glow rad="38100">
+                    <a:schemeClr val="accent1">
+                      <a:alpha val="40000"/>
+                    </a:schemeClr>
+                  </a:glow>
+                </a:effectLst>
+                <a:latin typeface="Times New Roman" panose="02020603050405020304" pitchFamily="18" charset="0"/>
+                <a:cs typeface="Times New Roman" panose="02020603050405020304" pitchFamily="18" charset="0"/>
+              </a:rPr>
+              <a:t>KẾ HOẠCH NGHIÊN CỨU</a:t>
+            </a:r>
+            <a:endParaRPr lang="en-US" sz="3600" b="1" spc="50" dirty="0">
+              <a:ln w="9525" cmpd="sng">
+                <a:solidFill>
+                  <a:schemeClr val="accent1"/>
+                </a:solidFill>
+                <a:prstDash val="solid"/>
+              </a:ln>
+              <a:solidFill>
+                <a:srgbClr val="70AD47">
+                  <a:tint val="1000"/>
+                </a:srgbClr>
+              </a:solidFill>
+              <a:effectLst>
+                <a:glow rad="38100">
+                  <a:schemeClr val="accent1">
+                    <a:alpha val="40000"/>
+                  </a:schemeClr>
+                </a:glow>
+              </a:effectLst>
+              <a:latin typeface="Times New Roman" panose="02020603050405020304" pitchFamily="18" charset="0"/>
+              <a:cs typeface="Times New Roman" panose="02020603050405020304" pitchFamily="18" charset="0"/>
+            </a:endParaRPr>
+          </a:p>
+        </p:txBody>
+      </p:sp>
+      <p:sp>
+        <p:nvSpPr>
+          <p:cNvPr id="4" name="Slide Number Placeholder 3"/>
+          <p:cNvSpPr>
+            <a:spLocks noGrp="1"/>
+          </p:cNvSpPr>
+          <p:nvPr>
+            <p:ph type="sldNum" sz="quarter" idx="12"/>
+          </p:nvPr>
+        </p:nvSpPr>
+        <p:spPr>
+          <a:xfrm>
+            <a:off x="8646697" y="6356352"/>
+            <a:ext cx="2743200" cy="365125"/>
+          </a:xfrm>
+        </p:spPr>
+        <p:txBody>
+          <a:bodyPr/>
+          <a:lstStyle/>
+          <a:p>
+            <a:fld id="{6AAF2C3B-9B77-47AC-B3C0-E8FD61040158}" type="slidenum">
+              <a:rPr lang="en-US" smtClean="0">
+                <a:solidFill>
+                  <a:schemeClr val="bg1"/>
+                </a:solidFill>
+              </a:rPr>
+              <a:t>13</a:t>
             </a:fld>
             <a:endParaRPr lang="en-US" dirty="0">
               <a:solidFill>
@@ -6062,7 +6964,7 @@
 </p:sld>
 </file>
 
-<file path=ppt/slides/slide13.xml><?xml version="1.0" encoding="utf-8"?>
+<file path=ppt/slides/slide15.xml><?xml version="1.0" encoding="utf-8"?>
 <p:sld xmlns:a="http://schemas.openxmlformats.org/drawingml/2006/main" xmlns:r="http://schemas.openxmlformats.org/officeDocument/2006/relationships" xmlns:p="http://schemas.openxmlformats.org/presentationml/2006/main">
   <p:cSld>
     <p:bg>
@@ -6387,7 +7289,7 @@
                   <a:schemeClr val="bg1"/>
                 </a:solidFill>
               </a:rPr>
-              <a:t>12</a:t>
+              <a:t>14</a:t>
             </a:fld>
             <a:endParaRPr lang="en-US" dirty="0">
               <a:solidFill>
@@ -6417,7 +7319,7 @@
 </p:sld>
 </file>
 
-<file path=ppt/slides/slide14.xml><?xml version="1.0" encoding="utf-8"?>
+<file path=ppt/slides/slide16.xml><?xml version="1.0" encoding="utf-8"?>
 <p:sld xmlns:a="http://schemas.openxmlformats.org/drawingml/2006/main" xmlns:r="http://schemas.openxmlformats.org/officeDocument/2006/relationships" xmlns:p="http://schemas.openxmlformats.org/presentationml/2006/main">
   <p:cSld>
     <p:bg>
@@ -7469,7 +8371,7 @@
         <p:spPr>
           <a:xfrm>
             <a:off x="1049217" y="1220532"/>
-            <a:ext cx="10515599" cy="5131661"/>
+            <a:ext cx="10515599" cy="5262979"/>
           </a:xfrm>
           <a:prstGeom prst="rect">
             <a:avLst/>
@@ -7486,18 +8388,16 @@
               <a:lnSpc>
                 <a:spcPct val="200000"/>
               </a:lnSpc>
-              <a:buFont typeface="Wingdings" pitchFamily="2" charset="2"/>
-              <a:buChar char="v"/>
             </a:pPr>
             <a:r>
-              <a:rPr lang="vi-VN" sz="2800" dirty="0">
+              <a:rPr lang="en-US" sz="2800" dirty="0" smtClean="0">
                 <a:solidFill>
                   <a:srgbClr val="000066"/>
                 </a:solidFill>
                 <a:latin typeface="Times New Roman" pitchFamily="18" charset="0"/>
                 <a:cs typeface="Times New Roman" pitchFamily="18" charset="0"/>
               </a:rPr>
-              <a:t>  Lý do chọn đề tài</a:t>
+              <a:t>Phần mở đầu</a:t>
             </a:r>
           </a:p>
           <a:p>
@@ -7505,159 +8405,92 @@
               <a:lnSpc>
                 <a:spcPct val="200000"/>
               </a:lnSpc>
-              <a:buFont typeface="Wingdings" pitchFamily="2" charset="2"/>
-              <a:buChar char="v"/>
             </a:pPr>
             <a:r>
-              <a:rPr lang="en-US" sz="2800" dirty="0">
+              <a:rPr lang="en-US" sz="2800" dirty="0" smtClean="0">
                 <a:solidFill>
                   <a:srgbClr val="000066"/>
                 </a:solidFill>
                 <a:latin typeface="Times New Roman" pitchFamily="18" charset="0"/>
                 <a:cs typeface="Times New Roman" pitchFamily="18" charset="0"/>
               </a:rPr>
-              <a:t> Tổng quan tài liệu</a:t>
-            </a:r>
-            <a:r>
-              <a:rPr lang="vi-VN" sz="2800" dirty="0">
+              <a:t>Phần nội dung</a:t>
+            </a:r>
+          </a:p>
+          <a:p>
+            <a:pPr marL="625475">
+              <a:lnSpc>
+                <a:spcPct val="200000"/>
+              </a:lnSpc>
+            </a:pPr>
+            <a:r>
+              <a:rPr lang="en-US" sz="2800" dirty="0" smtClean="0">
                 <a:solidFill>
                   <a:srgbClr val="000066"/>
                 </a:solidFill>
                 <a:latin typeface="Times New Roman" pitchFamily="18" charset="0"/>
                 <a:cs typeface="Times New Roman" pitchFamily="18" charset="0"/>
               </a:rPr>
-              <a:t> </a:t>
-            </a:r>
-            <a:endParaRPr lang="en-US" sz="2800" dirty="0">
+              <a:t>Chương 1 : Tổng quan về kiến trúc hướng dịch vụ</a:t>
+            </a:r>
+          </a:p>
+          <a:p>
+            <a:pPr marL="625475">
+              <a:lnSpc>
+                <a:spcPct val="200000"/>
+              </a:lnSpc>
+            </a:pPr>
+            <a:r>
+              <a:rPr lang="en-US" sz="2800" dirty="0" smtClean="0">
+                <a:solidFill>
+                  <a:srgbClr val="000066"/>
+                </a:solidFill>
+                <a:latin typeface="Times New Roman" pitchFamily="18" charset="0"/>
+                <a:cs typeface="Times New Roman" pitchFamily="18" charset="0"/>
+              </a:rPr>
+              <a:t>Chương 2 : Khung ứng dụng hỗ trợ lập trình SOA</a:t>
+            </a:r>
+          </a:p>
+          <a:p>
+            <a:pPr marL="625475">
+              <a:lnSpc>
+                <a:spcPct val="200000"/>
+              </a:lnSpc>
+            </a:pPr>
+            <a:r>
+              <a:rPr lang="en-US" sz="2800" dirty="0" smtClean="0">
+                <a:solidFill>
+                  <a:srgbClr val="000066"/>
+                </a:solidFill>
+                <a:latin typeface="Times New Roman" pitchFamily="18" charset="0"/>
+                <a:cs typeface="Times New Roman" pitchFamily="18" charset="0"/>
+              </a:rPr>
+              <a:t>Chương 3 : Xây dựng ứng dụng trên nền tảng Eclipse</a:t>
+            </a:r>
+          </a:p>
+          <a:p>
+            <a:pPr>
+              <a:lnSpc>
+                <a:spcPct val="200000"/>
+              </a:lnSpc>
+            </a:pPr>
+            <a:r>
+              <a:rPr lang="en-US" sz="2800" dirty="0" smtClean="0">
+                <a:solidFill>
+                  <a:srgbClr val="000066"/>
+                </a:solidFill>
+                <a:latin typeface="Times New Roman" pitchFamily="18" charset="0"/>
+                <a:cs typeface="Times New Roman" pitchFamily="18" charset="0"/>
+              </a:rPr>
+              <a:t>Phần kết luận và hướng phát triển</a:t>
+            </a:r>
+            <a:endParaRPr lang="vi-VN" sz="2800" dirty="0">
               <a:solidFill>
                 <a:srgbClr val="000066"/>
               </a:solidFill>
               <a:latin typeface="Times New Roman" pitchFamily="18" charset="0"/>
               <a:cs typeface="Times New Roman" pitchFamily="18" charset="0"/>
             </a:endParaRPr>
-          </a:p>
-          <a:p>
-            <a:pPr>
-              <a:lnSpc>
-                <a:spcPct val="200000"/>
-              </a:lnSpc>
-              <a:buFont typeface="Wingdings" pitchFamily="2" charset="2"/>
-              <a:buChar char="v"/>
-            </a:pPr>
-            <a:r>
-              <a:rPr lang="en-US" sz="2800" dirty="0">
-                <a:solidFill>
-                  <a:srgbClr val="000066"/>
-                </a:solidFill>
-                <a:latin typeface="Times New Roman" pitchFamily="18" charset="0"/>
-                <a:cs typeface="Times New Roman" pitchFamily="18" charset="0"/>
-              </a:rPr>
-              <a:t> </a:t>
-            </a:r>
-            <a:r>
-              <a:rPr lang="vi-VN" sz="2800" dirty="0">
-                <a:solidFill>
-                  <a:srgbClr val="000066"/>
-                </a:solidFill>
-                <a:latin typeface="Times New Roman" pitchFamily="18" charset="0"/>
-                <a:cs typeface="Times New Roman" pitchFamily="18" charset="0"/>
-              </a:rPr>
-              <a:t>Mục tiêu nghiên cứu</a:t>
-            </a:r>
-            <a:endParaRPr lang="en-US" sz="2800" dirty="0">
-              <a:solidFill>
-                <a:srgbClr val="000066"/>
-              </a:solidFill>
-              <a:latin typeface="Times New Roman" pitchFamily="18" charset="0"/>
-              <a:cs typeface="Times New Roman" pitchFamily="18" charset="0"/>
-            </a:endParaRPr>
-          </a:p>
-          <a:p>
-            <a:pPr>
-              <a:lnSpc>
-                <a:spcPct val="200000"/>
-              </a:lnSpc>
-              <a:buFont typeface="Wingdings" pitchFamily="2" charset="2"/>
-              <a:buChar char="v"/>
-            </a:pPr>
-            <a:r>
-              <a:rPr lang="en-US" sz="2800" dirty="0">
-                <a:solidFill>
-                  <a:srgbClr val="000066"/>
-                </a:solidFill>
-                <a:latin typeface="Times New Roman" pitchFamily="18" charset="0"/>
-                <a:cs typeface="Times New Roman" pitchFamily="18" charset="0"/>
-              </a:rPr>
-              <a:t> Nội dung nghiên cứu</a:t>
-            </a:r>
-          </a:p>
-          <a:p>
-            <a:pPr>
-              <a:lnSpc>
-                <a:spcPct val="200000"/>
-              </a:lnSpc>
-              <a:buFont typeface="Wingdings" pitchFamily="2" charset="2"/>
-              <a:buChar char="v"/>
-            </a:pPr>
-            <a:r>
-              <a:rPr lang="en-US" sz="2800" dirty="0">
-                <a:solidFill>
-                  <a:srgbClr val="000066"/>
-                </a:solidFill>
-                <a:latin typeface="Times New Roman" pitchFamily="18" charset="0"/>
-                <a:cs typeface="Times New Roman" pitchFamily="18" charset="0"/>
-              </a:rPr>
-              <a:t> </a:t>
-            </a:r>
-            <a:r>
-              <a:rPr lang="vi-VN" sz="2800" dirty="0">
-                <a:solidFill>
-                  <a:srgbClr val="000066"/>
-                </a:solidFill>
-                <a:latin typeface="Times New Roman" pitchFamily="18" charset="0"/>
-                <a:cs typeface="Times New Roman" pitchFamily="18" charset="0"/>
-              </a:rPr>
-              <a:t>Dự kiến </a:t>
-            </a:r>
-            <a:r>
-              <a:rPr lang="en-US" sz="2800" dirty="0">
-                <a:solidFill>
-                  <a:srgbClr val="000066"/>
-                </a:solidFill>
-                <a:latin typeface="Times New Roman" pitchFamily="18" charset="0"/>
-                <a:cs typeface="Times New Roman" pitchFamily="18" charset="0"/>
-              </a:rPr>
-              <a:t>bố cục</a:t>
-            </a:r>
-            <a:r>
-              <a:rPr lang="vi-VN" sz="2800" dirty="0">
-                <a:solidFill>
-                  <a:srgbClr val="000066"/>
-                </a:solidFill>
-                <a:latin typeface="Times New Roman" pitchFamily="18" charset="0"/>
-                <a:cs typeface="Times New Roman" pitchFamily="18" charset="0"/>
-              </a:rPr>
-              <a:t> luận văn</a:t>
-            </a:r>
-          </a:p>
-          <a:p>
-            <a:pPr>
-              <a:lnSpc>
-                <a:spcPct val="200000"/>
-              </a:lnSpc>
-              <a:buFont typeface="Wingdings" pitchFamily="2" charset="2"/>
-              <a:buChar char="v"/>
-            </a:pPr>
-            <a:r>
-              <a:rPr lang="vi-VN" sz="2800" dirty="0">
-                <a:solidFill>
-                  <a:srgbClr val="000066"/>
-                </a:solidFill>
-                <a:latin typeface="Times New Roman" pitchFamily="18" charset="0"/>
-                <a:cs typeface="Times New Roman" pitchFamily="18" charset="0"/>
-              </a:rPr>
-              <a:t> Tài liệu tham khảo</a:t>
-            </a:r>
           </a:p>
         </p:txBody>
       </p:sp>
@@ -7818,6 +8651,273 @@
 </file>
 
 <file path=ppt/slides/slide3.xml><?xml version="1.0" encoding="utf-8"?>
+<p:sld xmlns:a="http://schemas.openxmlformats.org/drawingml/2006/main" xmlns:r="http://schemas.openxmlformats.org/officeDocument/2006/relationships" xmlns:p="http://schemas.openxmlformats.org/presentationml/2006/main">
+  <p:cSld>
+    <p:bg>
+      <p:bgPr>
+        <a:blipFill dpi="0" rotWithShape="1">
+          <a:blip r:embed="rId3">
+            <a:lum/>
+          </a:blip>
+          <a:srcRect/>
+          <a:stretch>
+            <a:fillRect t="-21000" b="-21000"/>
+          </a:stretch>
+        </a:blipFill>
+        <a:effectLst/>
+      </p:bgPr>
+    </p:bg>
+    <p:spTree>
+      <p:nvGrpSpPr>
+        <p:cNvPr id="1" name=""/>
+        <p:cNvGrpSpPr/>
+        <p:nvPr/>
+      </p:nvGrpSpPr>
+      <p:grpSpPr>
+        <a:xfrm>
+          <a:off x="0" y="0"/>
+          <a:ext cx="0" cy="0"/>
+          <a:chOff x="0" y="0"/>
+          <a:chExt cx="0" cy="0"/>
+        </a:xfrm>
+      </p:grpSpPr>
+      <p:sp>
+        <p:nvSpPr>
+          <p:cNvPr id="9" name="Oval 8"/>
+          <p:cNvSpPr/>
+          <p:nvPr/>
+        </p:nvSpPr>
+        <p:spPr>
+          <a:xfrm>
+            <a:off x="11032956" y="6340641"/>
+            <a:ext cx="360948" cy="372979"/>
+          </a:xfrm>
+          <a:prstGeom prst="ellipse">
+            <a:avLst/>
+          </a:prstGeom>
+        </p:spPr>
+        <p:style>
+          <a:lnRef idx="2">
+            <a:schemeClr val="accent1">
+              <a:shade val="50000"/>
+            </a:schemeClr>
+          </a:lnRef>
+          <a:fillRef idx="1">
+            <a:schemeClr val="accent1"/>
+          </a:fillRef>
+          <a:effectRef idx="0">
+            <a:schemeClr val="accent1"/>
+          </a:effectRef>
+          <a:fontRef idx="minor">
+            <a:schemeClr val="lt1"/>
+          </a:fontRef>
+        </p:style>
+        <p:txBody>
+          <a:bodyPr rtlCol="0" anchor="ctr"/>
+          <a:lstStyle/>
+          <a:p>
+            <a:pPr algn="ctr"/>
+            <a:endParaRPr lang="en-US"/>
+          </a:p>
+        </p:txBody>
+      </p:sp>
+      <p:sp>
+        <p:nvSpPr>
+          <p:cNvPr id="7" name="TextBox 6"/>
+          <p:cNvSpPr txBox="1"/>
+          <p:nvPr/>
+        </p:nvSpPr>
+        <p:spPr>
+          <a:xfrm>
+            <a:off x="1049217" y="1220532"/>
+            <a:ext cx="10515599" cy="822789"/>
+          </a:xfrm>
+          <a:prstGeom prst="rect">
+            <a:avLst/>
+          </a:prstGeom>
+          <a:noFill/>
+        </p:spPr>
+        <p:txBody>
+          <a:bodyPr wrap="square" rtlCol="0">
+            <a:spAutoFit/>
+          </a:bodyPr>
+          <a:lstStyle/>
+          <a:p>
+            <a:pPr>
+              <a:lnSpc>
+                <a:spcPct val="200000"/>
+              </a:lnSpc>
+            </a:pPr>
+            <a:r>
+              <a:rPr lang="en-US" sz="2800" dirty="0" smtClean="0">
+                <a:solidFill>
+                  <a:srgbClr val="000066"/>
+                </a:solidFill>
+                <a:latin typeface="Times New Roman" pitchFamily="18" charset="0"/>
+                <a:cs typeface="Times New Roman" pitchFamily="18" charset="0"/>
+              </a:rPr>
+              <a:t>Phần mở đầu</a:t>
+            </a:r>
+          </a:p>
+        </p:txBody>
+      </p:sp>
+      <p:sp>
+        <p:nvSpPr>
+          <p:cNvPr id="5" name="Title 1"/>
+          <p:cNvSpPr txBox="1">
+            <a:spLocks/>
+          </p:cNvSpPr>
+          <p:nvPr/>
+        </p:nvSpPr>
+        <p:spPr>
+          <a:xfrm>
+            <a:off x="1049215" y="576775"/>
+            <a:ext cx="10515600" cy="607477"/>
+          </a:xfrm>
+          <a:prstGeom prst="rect">
+            <a:avLst/>
+          </a:prstGeom>
+        </p:spPr>
+        <p:style>
+          <a:lnRef idx="0">
+            <a:schemeClr val="accent1"/>
+          </a:lnRef>
+          <a:fillRef idx="3">
+            <a:schemeClr val="accent1"/>
+          </a:fillRef>
+          <a:effectRef idx="3">
+            <a:schemeClr val="accent1"/>
+          </a:effectRef>
+          <a:fontRef idx="minor">
+            <a:schemeClr val="lt1"/>
+          </a:fontRef>
+        </p:style>
+        <p:txBody>
+          <a:bodyPr vert="horz" lIns="91440" tIns="45720" rIns="91440" bIns="45720" rtlCol="0" anchor="b">
+            <a:noAutofit/>
+          </a:bodyPr>
+          <a:lstStyle>
+            <a:lvl1pPr algn="ctr" defTabSz="914400" rtl="0" eaLnBrk="1" latinLnBrk="0" hangingPunct="1">
+              <a:lnSpc>
+                <a:spcPct val="90000"/>
+              </a:lnSpc>
+              <a:spcBef>
+                <a:spcPct val="0"/>
+              </a:spcBef>
+              <a:buNone/>
+              <a:defRPr sz="6000" kern="1200">
+                <a:solidFill>
+                  <a:schemeClr val="tx1"/>
+                </a:solidFill>
+                <a:latin typeface="+mj-lt"/>
+                <a:ea typeface="+mj-ea"/>
+                <a:cs typeface="+mj-cs"/>
+              </a:defRPr>
+            </a:lvl1pPr>
+          </a:lstStyle>
+          <a:p>
+            <a:r>
+              <a:rPr lang="en-US" sz="3600" b="1" spc="50" dirty="0" smtClean="0">
+                <a:ln w="9525" cmpd="sng">
+                  <a:solidFill>
+                    <a:schemeClr val="accent1"/>
+                  </a:solidFill>
+                  <a:prstDash val="solid"/>
+                </a:ln>
+                <a:solidFill>
+                  <a:srgbClr val="70AD47">
+                    <a:tint val="1000"/>
+                  </a:srgbClr>
+                </a:solidFill>
+                <a:effectLst>
+                  <a:glow rad="38100">
+                    <a:schemeClr val="accent1">
+                      <a:alpha val="40000"/>
+                    </a:schemeClr>
+                  </a:glow>
+                </a:effectLst>
+                <a:latin typeface="Times New Roman" panose="02020603050405020304" pitchFamily="18" charset="0"/>
+                <a:cs typeface="Times New Roman" panose="02020603050405020304" pitchFamily="18" charset="0"/>
+              </a:rPr>
+              <a:t>Phần nội dung</a:t>
+            </a:r>
+            <a:endParaRPr lang="en-US" sz="3600" b="1" spc="50" dirty="0">
+              <a:ln w="9525" cmpd="sng">
+                <a:solidFill>
+                  <a:schemeClr val="accent1"/>
+                </a:solidFill>
+                <a:prstDash val="solid"/>
+              </a:ln>
+              <a:solidFill>
+                <a:srgbClr val="70AD47">
+                  <a:tint val="1000"/>
+                </a:srgbClr>
+              </a:solidFill>
+              <a:effectLst>
+                <a:glow rad="38100">
+                  <a:schemeClr val="accent1">
+                    <a:alpha val="40000"/>
+                  </a:schemeClr>
+                </a:glow>
+              </a:effectLst>
+              <a:latin typeface="Times New Roman" panose="02020603050405020304" pitchFamily="18" charset="0"/>
+              <a:cs typeface="Times New Roman" panose="02020603050405020304" pitchFamily="18" charset="0"/>
+            </a:endParaRPr>
+          </a:p>
+        </p:txBody>
+      </p:sp>
+      <p:sp>
+        <p:nvSpPr>
+          <p:cNvPr id="4" name="Slide Number Placeholder 3"/>
+          <p:cNvSpPr>
+            <a:spLocks noGrp="1"/>
+          </p:cNvSpPr>
+          <p:nvPr>
+            <p:ph type="sldNum" sz="quarter" idx="12"/>
+          </p:nvPr>
+        </p:nvSpPr>
+        <p:spPr/>
+        <p:txBody>
+          <a:bodyPr/>
+          <a:lstStyle/>
+          <a:p>
+            <a:fld id="{6AAF2C3B-9B77-47AC-B3C0-E8FD61040158}" type="slidenum">
+              <a:rPr lang="en-US" smtClean="0">
+                <a:solidFill>
+                  <a:schemeClr val="bg1"/>
+                </a:solidFill>
+              </a:rPr>
+              <a:t>2</a:t>
+            </a:fld>
+            <a:endParaRPr lang="en-US" dirty="0">
+              <a:solidFill>
+                <a:schemeClr val="bg1"/>
+              </a:solidFill>
+            </a:endParaRPr>
+          </a:p>
+        </p:txBody>
+      </p:sp>
+    </p:spTree>
+    <p:extLst>
+      <p:ext uri="{BB962C8B-B14F-4D97-AF65-F5344CB8AC3E}">
+        <p14:creationId xmlns:p14="http://schemas.microsoft.com/office/powerpoint/2010/main" val="2819797979"/>
+      </p:ext>
+    </p:extLst>
+  </p:cSld>
+  <p:clrMapOvr>
+    <a:overrideClrMapping bg1="lt1" tx1="dk1" bg2="lt2" tx2="dk2" accent1="accent1" accent2="accent2" accent3="accent3" accent4="accent4" accent5="accent5" accent6="accent6" hlink="hlink" folHlink="folHlink"/>
+  </p:clrMapOvr>
+  <p:timing>
+    <p:tnLst>
+      <p:par>
+        <p:cTn id="1" dur="indefinite" restart="never" nodeType="tmRoot"/>
+      </p:par>
+    </p:tnLst>
+  </p:timing>
+</p:sld>
+</file>
+
+<file path=ppt/slides/slide4.xml><?xml version="1.0" encoding="utf-8"?>
 <p:sld xmlns:a="http://schemas.openxmlformats.org/drawingml/2006/main" xmlns:r="http://schemas.openxmlformats.org/officeDocument/2006/relationships" xmlns:p="http://schemas.openxmlformats.org/presentationml/2006/main">
   <p:cSld>
     <p:bg>
@@ -7897,7 +8997,7 @@
         <p:spPr>
           <a:xfrm>
             <a:off x="1049217" y="1268660"/>
-            <a:ext cx="10515599" cy="5262979"/>
+            <a:ext cx="10515599" cy="6740307"/>
           </a:xfrm>
           <a:prstGeom prst="rect">
             <a:avLst/>
@@ -7914,28 +9014,16 @@
               <a:lnSpc>
                 <a:spcPct val="200000"/>
               </a:lnSpc>
-              <a:buFont typeface="Wingdings" pitchFamily="2" charset="2"/>
-              <a:buChar char="v"/>
             </a:pPr>
             <a:r>
-              <a:rPr lang="vi-VN" sz="2400" dirty="0">
+              <a:rPr lang="en-US" sz="2400" dirty="0" smtClean="0">
                 <a:solidFill>
                   <a:srgbClr val="000066"/>
                 </a:solidFill>
                 <a:latin typeface="Times New Roman" pitchFamily="18" charset="0"/>
                 <a:cs typeface="Times New Roman" pitchFamily="18" charset="0"/>
               </a:rPr>
-              <a:t> </a:t>
-            </a:r>
-            <a:r>
-              <a:rPr lang="en-US" sz="2400" dirty="0" smtClean="0">
-                <a:solidFill>
-                  <a:srgbClr val="000066"/>
-                </a:solidFill>
-                <a:latin typeface="Times New Roman" pitchFamily="18" charset="0"/>
-                <a:cs typeface="Times New Roman" pitchFamily="18" charset="0"/>
-              </a:rPr>
-              <a:t>Với sự phát triển của internet và xu thế hội nhập chung của toàn thế giới, nên các doanh nghiệp, tổ chức bắt đầu việc cộng tác, phối hợp và chia sẻ nguồn tài nguyên với nhau để nâng cao hiệu quả hoạt động.</a:t>
+              <a:t>1.1 Công nghệ Java Web Services</a:t>
             </a:r>
           </a:p>
           <a:p>
@@ -7943,8 +9031,6 @@
               <a:lnSpc>
                 <a:spcPct val="200000"/>
               </a:lnSpc>
-              <a:buFont typeface="Wingdings" pitchFamily="2" charset="2"/>
-              <a:buChar char="v"/>
             </a:pPr>
             <a:r>
               <a:rPr lang="en-US" sz="2400" dirty="0" smtClean="0">
@@ -7954,8 +9040,15 @@
                 <a:latin typeface="Times New Roman" pitchFamily="18" charset="0"/>
                 <a:cs typeface="Times New Roman" pitchFamily="18" charset="0"/>
               </a:rPr>
-              <a:t> Vấn đề sử dụng các nguồn tài nguyên của nhau, hoặc tái sử dụng và mở rộng các hệ thống có sẵn là khá phức tạp vì sự không tương thích giữa các </a:t>
-            </a:r>
+              <a:t>1.1.1 Tổng quan về Web Services</a:t>
+            </a:r>
+          </a:p>
+          <a:p>
+            <a:pPr indent="685800" algn="just">
+              <a:lnSpc>
+                <a:spcPct val="200000"/>
+              </a:lnSpc>
+            </a:pPr>
             <a:r>
               <a:rPr lang="en-US" sz="2400" dirty="0">
                 <a:solidFill>
@@ -7964,7 +9057,7 @@
                 <a:latin typeface="Times New Roman" pitchFamily="18" charset="0"/>
                 <a:cs typeface="Times New Roman" pitchFamily="18" charset="0"/>
               </a:rPr>
-              <a:t>hệ thống, giữa các nền tảng công </a:t>
+              <a:t>Web service là một công nghệ</a:t>
             </a:r>
             <a:r>
               <a:rPr lang="en-US" sz="2400" dirty="0" smtClean="0">
@@ -7974,8 +9067,92 @@
                 <a:latin typeface="Times New Roman" pitchFamily="18" charset="0"/>
                 <a:cs typeface="Times New Roman" pitchFamily="18" charset="0"/>
               </a:rPr>
-              <a:t>nghệ.</a:t>
-            </a:r>
+              <a:t>, mô </a:t>
+            </a:r>
+            <a:r>
+              <a:rPr lang="en-US" sz="2400" dirty="0">
+                <a:solidFill>
+                  <a:srgbClr val="000066"/>
+                </a:solidFill>
+                <a:latin typeface="Times New Roman" pitchFamily="18" charset="0"/>
+                <a:cs typeface="Times New Roman" pitchFamily="18" charset="0"/>
+              </a:rPr>
+              <a:t>tả một cách thức chuẩn để để tạo ra các ứng dụng</a:t>
+            </a:r>
+            <a:r>
+              <a:rPr lang="en-US" sz="2400" dirty="0" smtClean="0">
+                <a:solidFill>
+                  <a:srgbClr val="000066"/>
+                </a:solidFill>
+                <a:latin typeface="Times New Roman" pitchFamily="18" charset="0"/>
+                <a:cs typeface="Times New Roman" pitchFamily="18" charset="0"/>
+              </a:rPr>
+              <a:t>, các </a:t>
+            </a:r>
+            <a:r>
+              <a:rPr lang="en-US" sz="2400" dirty="0">
+                <a:solidFill>
+                  <a:srgbClr val="000066"/>
+                </a:solidFill>
+                <a:latin typeface="Times New Roman" pitchFamily="18" charset="0"/>
+                <a:cs typeface="Times New Roman" pitchFamily="18" charset="0"/>
+              </a:rPr>
+              <a:t>dịch vụ trên nền tảng web sử dụng các chuẩn XML (Extensible Markup Language</a:t>
+            </a:r>
+            <a:r>
+              <a:rPr lang="en-US" sz="2400" dirty="0">
+                <a:solidFill>
+                  <a:srgbClr val="000066"/>
+                </a:solidFill>
+                <a:latin typeface="Times New Roman" pitchFamily="18" charset="0"/>
+                <a:cs typeface="Times New Roman" pitchFamily="18" charset="0"/>
+              </a:rPr>
+              <a:t>), SOAP </a:t>
+            </a:r>
+            <a:r>
+              <a:rPr lang="en-US" sz="2400" dirty="0">
+                <a:solidFill>
+                  <a:srgbClr val="000066"/>
+                </a:solidFill>
+                <a:latin typeface="Times New Roman" pitchFamily="18" charset="0"/>
+                <a:cs typeface="Times New Roman" pitchFamily="18" charset="0"/>
+              </a:rPr>
+              <a:t>(Simple Object Access Protocol</a:t>
+            </a:r>
+            <a:r>
+              <a:rPr lang="en-US" sz="2400" dirty="0">
+                <a:solidFill>
+                  <a:srgbClr val="000066"/>
+                </a:solidFill>
+                <a:latin typeface="Times New Roman" pitchFamily="18" charset="0"/>
+                <a:cs typeface="Times New Roman" pitchFamily="18" charset="0"/>
+              </a:rPr>
+              <a:t>), WSDL </a:t>
+            </a:r>
+            <a:r>
+              <a:rPr lang="en-US" sz="2400" dirty="0">
+                <a:solidFill>
+                  <a:srgbClr val="000066"/>
+                </a:solidFill>
+                <a:latin typeface="Times New Roman" pitchFamily="18" charset="0"/>
+                <a:cs typeface="Times New Roman" pitchFamily="18" charset="0"/>
+              </a:rPr>
+              <a:t>(Web Service Description Language) và UDDI (Universal Description Discovery and Integration) thông qua giao thức Internet.</a:t>
+            </a:r>
+          </a:p>
+          <a:p>
+            <a:pPr>
+              <a:lnSpc>
+                <a:spcPct val="200000"/>
+              </a:lnSpc>
+            </a:pPr>
+            <a:endParaRPr lang="en-US" sz="2400" dirty="0" smtClean="0">
+              <a:solidFill>
+                <a:srgbClr val="000066"/>
+              </a:solidFill>
+              <a:latin typeface="Times New Roman" pitchFamily="18" charset="0"/>
+              <a:cs typeface="Times New Roman" pitchFamily="18" charset="0"/>
+            </a:endParaRPr>
           </a:p>
           <a:p>
             <a:pPr>
@@ -8073,7 +9250,7 @@
                 <a:latin typeface="Times New Roman" panose="02020603050405020304" pitchFamily="18" charset="0"/>
                 <a:cs typeface="Times New Roman" panose="02020603050405020304" pitchFamily="18" charset="0"/>
               </a:rPr>
-              <a:t>LÝ DO CHỌN ĐỀ TÀI</a:t>
+              <a:t>Chương 1  : Tổng quan về kiến trúc hướng dịch vụ</a:t>
             </a:r>
             <a:endParaRPr lang="en-US" sz="3600" b="1" spc="50" dirty="0">
               <a:ln w="9525" cmpd="sng">
@@ -8121,7 +9298,7 @@
                   <a:schemeClr val="bg1"/>
                 </a:solidFill>
               </a:rPr>
-              <a:t>2</a:t>
+              <a:t>3</a:t>
             </a:fld>
             <a:endParaRPr lang="en-US" dirty="0">
               <a:solidFill>
@@ -8151,13 +9328,13 @@
 </p:sld>
 </file>
 
-<file path=ppt/slides/slide4.xml><?xml version="1.0" encoding="utf-8"?>
+<file path=ppt/slides/slide5.xml><?xml version="1.0" encoding="utf-8"?>
 <p:sld xmlns:a="http://schemas.openxmlformats.org/drawingml/2006/main" xmlns:r="http://schemas.openxmlformats.org/officeDocument/2006/relationships" xmlns:p="http://schemas.openxmlformats.org/presentationml/2006/main">
   <p:cSld>
     <p:bg>
       <p:bgPr>
         <a:blipFill dpi="0" rotWithShape="1">
-          <a:blip r:embed="rId3">
+          <a:blip r:embed="rId4">
             <a:lum/>
           </a:blip>
           <a:srcRect/>
@@ -8248,28 +9425,16 @@
               <a:lnSpc>
                 <a:spcPct val="200000"/>
               </a:lnSpc>
-              <a:buFont typeface="Wingdings" pitchFamily="2" charset="2"/>
-              <a:buChar char="v"/>
             </a:pPr>
             <a:r>
-              <a:rPr lang="vi-VN" sz="2400" dirty="0">
+              <a:rPr lang="en-US" sz="2400" b="1" dirty="0" smtClean="0">
                 <a:solidFill>
                   <a:srgbClr val="000066"/>
                 </a:solidFill>
                 <a:latin typeface="Times New Roman" pitchFamily="18" charset="0"/>
                 <a:cs typeface="Times New Roman" pitchFamily="18" charset="0"/>
               </a:rPr>
-              <a:t> </a:t>
-            </a:r>
-            <a:r>
-              <a:rPr lang="en-US" sz="2400" dirty="0" smtClean="0">
-                <a:solidFill>
-                  <a:srgbClr val="000066"/>
-                </a:solidFill>
-                <a:latin typeface="Times New Roman" pitchFamily="18" charset="0"/>
-                <a:cs typeface="Times New Roman" pitchFamily="18" charset="0"/>
-              </a:rPr>
-              <a:t>Trong những năm trở lại đây, một giải pháp được cộng đồng công nghệ thông tin quan tâm, chú ý đó là “Kiến trúc hướng dịch vụ” (Service-oriented Architecture –SOA).</a:t>
+              <a:t>1.1 Công nghệ Java Web Services</a:t>
             </a:r>
           </a:p>
           <a:p>
@@ -8277,29 +9442,41 @@
               <a:lnSpc>
                 <a:spcPct val="200000"/>
               </a:lnSpc>
-              <a:buFont typeface="Wingdings" pitchFamily="2" charset="2"/>
-              <a:buChar char="v"/>
             </a:pPr>
             <a:r>
-              <a:rPr lang="en-US" sz="2400" smtClean="0">
+              <a:rPr lang="en-US" sz="2400" b="1" dirty="0" smtClean="0">
                 <a:solidFill>
                   <a:srgbClr val="000066"/>
                 </a:solidFill>
                 <a:latin typeface="Times New Roman" pitchFamily="18" charset="0"/>
                 <a:cs typeface="Times New Roman" pitchFamily="18" charset="0"/>
               </a:rPr>
-              <a:t> Kiến </a:t>
-            </a:r>
-            <a:r>
-              <a:rPr lang="en-US" sz="2400" dirty="0" smtClean="0">
+              <a:t>1.1.1 Tổng quan về Web Services</a:t>
+            </a:r>
+          </a:p>
+          <a:p>
+            <a:pPr indent="685800" algn="just">
+              <a:lnSpc>
+                <a:spcPct val="200000"/>
+              </a:lnSpc>
+            </a:pPr>
+            <a:r>
+              <a:rPr lang="en-US" sz="2400" dirty="0">
                 <a:solidFill>
                   <a:srgbClr val="000066"/>
                 </a:solidFill>
                 <a:latin typeface="Times New Roman" pitchFamily="18" charset="0"/>
                 <a:cs typeface="Times New Roman" pitchFamily="18" charset="0"/>
               </a:rPr>
-              <a:t>trúc này hiện nay được nhiều công ty, tổ chức sử dụng và đã mang lại những kết quả khả quan.</a:t>
-            </a:r>
+              <a:t>Web service là một hệ thống phần mềm được thiết kế để hỗ trợ khả năng tương tác giữa các ứng dụng trên các máy tính khác nhau thông qua mạng Internet, giao diện chung và sự gắn kết của nó được mô tả bằng XML</a:t>
+            </a:r>
+            <a:endParaRPr lang="en-US" sz="2400" dirty="0">
+              <a:solidFill>
+                <a:srgbClr val="000066"/>
+              </a:solidFill>
+              <a:latin typeface="Times New Roman" pitchFamily="18" charset="0"/>
+              <a:cs typeface="Times New Roman" pitchFamily="18" charset="0"/>
+            </a:endParaRPr>
           </a:p>
           <a:p>
             <a:pPr>
@@ -8397,7 +9574,7 @@
                 <a:latin typeface="Times New Roman" panose="02020603050405020304" pitchFamily="18" charset="0"/>
                 <a:cs typeface="Times New Roman" panose="02020603050405020304" pitchFamily="18" charset="0"/>
               </a:rPr>
-              <a:t>LÝ DO CHỌN ĐỀ TÀI</a:t>
+              <a:t>Chương 1  : Tổng quan về kiến trúc hướng dịch vụ</a:t>
             </a:r>
             <a:endParaRPr lang="en-US" sz="3600" b="1" spc="50" dirty="0">
               <a:ln w="9525" cmpd="sng">
@@ -8445,347 +9622,6 @@
                   <a:schemeClr val="bg1"/>
                 </a:solidFill>
               </a:rPr>
-              <a:t>3</a:t>
-            </a:fld>
-            <a:endParaRPr lang="en-US" dirty="0">
-              <a:solidFill>
-                <a:schemeClr val="bg1"/>
-              </a:solidFill>
-            </a:endParaRPr>
-          </a:p>
-        </p:txBody>
-      </p:sp>
-    </p:spTree>
-    <p:extLst>
-      <p:ext uri="{BB962C8B-B14F-4D97-AF65-F5344CB8AC3E}">
-        <p14:creationId xmlns:p14="http://schemas.microsoft.com/office/powerpoint/2010/main" val="717778444"/>
-      </p:ext>
-    </p:extLst>
-  </p:cSld>
-  <p:clrMapOvr>
-    <a:overrideClrMapping bg1="lt1" tx1="dk1" bg2="lt2" tx2="dk2" accent1="accent1" accent2="accent2" accent3="accent3" accent4="accent4" accent5="accent5" accent6="accent6" hlink="hlink" folHlink="folHlink"/>
-  </p:clrMapOvr>
-  <p:timing>
-    <p:tnLst>
-      <p:par>
-        <p:cTn id="1" dur="indefinite" restart="never" nodeType="tmRoot"/>
-      </p:par>
-    </p:tnLst>
-  </p:timing>
-</p:sld>
-</file>
-
-<file path=ppt/slides/slide5.xml><?xml version="1.0" encoding="utf-8"?>
-<p:sld xmlns:a="http://schemas.openxmlformats.org/drawingml/2006/main" xmlns:r="http://schemas.openxmlformats.org/officeDocument/2006/relationships" xmlns:p="http://schemas.openxmlformats.org/presentationml/2006/main">
-  <p:cSld>
-    <p:bg>
-      <p:bgPr>
-        <a:blipFill dpi="0" rotWithShape="1">
-          <a:blip r:embed="rId3">
-            <a:lum/>
-          </a:blip>
-          <a:srcRect/>
-          <a:stretch>
-            <a:fillRect t="-21000" b="-21000"/>
-          </a:stretch>
-        </a:blipFill>
-        <a:effectLst/>
-      </p:bgPr>
-    </p:bg>
-    <p:spTree>
-      <p:nvGrpSpPr>
-        <p:cNvPr id="1" name=""/>
-        <p:cNvGrpSpPr/>
-        <p:nvPr/>
-      </p:nvGrpSpPr>
-      <p:grpSpPr>
-        <a:xfrm>
-          <a:off x="0" y="0"/>
-          <a:ext cx="0" cy="0"/>
-          <a:chOff x="0" y="0"/>
-          <a:chExt cx="0" cy="0"/>
-        </a:xfrm>
-      </p:grpSpPr>
-      <p:sp>
-        <p:nvSpPr>
-          <p:cNvPr id="9" name="Oval 8"/>
-          <p:cNvSpPr/>
-          <p:nvPr/>
-        </p:nvSpPr>
-        <p:spPr>
-          <a:xfrm>
-            <a:off x="11032956" y="6340641"/>
-            <a:ext cx="360948" cy="372979"/>
-          </a:xfrm>
-          <a:prstGeom prst="ellipse">
-            <a:avLst/>
-          </a:prstGeom>
-        </p:spPr>
-        <p:style>
-          <a:lnRef idx="2">
-            <a:schemeClr val="accent1">
-              <a:shade val="50000"/>
-            </a:schemeClr>
-          </a:lnRef>
-          <a:fillRef idx="1">
-            <a:schemeClr val="accent1"/>
-          </a:fillRef>
-          <a:effectRef idx="0">
-            <a:schemeClr val="accent1"/>
-          </a:effectRef>
-          <a:fontRef idx="minor">
-            <a:schemeClr val="lt1"/>
-          </a:fontRef>
-        </p:style>
-        <p:txBody>
-          <a:bodyPr rtlCol="0" anchor="ctr"/>
-          <a:lstStyle/>
-          <a:p>
-            <a:pPr algn="ctr"/>
-            <a:endParaRPr lang="en-US"/>
-          </a:p>
-        </p:txBody>
-      </p:sp>
-      <p:sp>
-        <p:nvSpPr>
-          <p:cNvPr id="7" name="TextBox 6"/>
-          <p:cNvSpPr txBox="1"/>
-          <p:nvPr/>
-        </p:nvSpPr>
-        <p:spPr>
-          <a:xfrm>
-            <a:off x="1049217" y="1088180"/>
-            <a:ext cx="10515599" cy="6001643"/>
-          </a:xfrm>
-          <a:prstGeom prst="rect">
-            <a:avLst/>
-          </a:prstGeom>
-          <a:noFill/>
-        </p:spPr>
-        <p:txBody>
-          <a:bodyPr wrap="square" rtlCol="0">
-            <a:spAutoFit/>
-          </a:bodyPr>
-          <a:lstStyle/>
-          <a:p>
-            <a:pPr>
-              <a:lnSpc>
-                <a:spcPct val="200000"/>
-              </a:lnSpc>
-              <a:buFont typeface="Wingdings" pitchFamily="2" charset="2"/>
-              <a:buChar char="v"/>
-            </a:pPr>
-            <a:r>
-              <a:rPr lang="vi-VN" sz="2400" dirty="0">
-                <a:solidFill>
-                  <a:srgbClr val="000066"/>
-                </a:solidFill>
-                <a:latin typeface="Times New Roman" pitchFamily="18" charset="0"/>
-                <a:cs typeface="Times New Roman" pitchFamily="18" charset="0"/>
-              </a:rPr>
-              <a:t> </a:t>
-            </a:r>
-            <a:r>
-              <a:rPr lang="en-US" sz="2400" dirty="0">
-                <a:solidFill>
-                  <a:srgbClr val="000066"/>
-                </a:solidFill>
-                <a:latin typeface="Times New Roman" pitchFamily="18" charset="0"/>
-                <a:cs typeface="Times New Roman" pitchFamily="18" charset="0"/>
-              </a:rPr>
-              <a:t>Web Services hiện nay được nhiều công ty, tổ chức sử dụng như các ứng dụng độc lập thực hiện các nghiệp vụ cho quy trình riêng mình. Tuy nhiên, sức mạnh thực sự của nó nằm ở chỗ kết hợp lại được với nhau, áp dụng nguyên tác và khái niệm về SOA </a:t>
-            </a:r>
-            <a:r>
-              <a:rPr lang="en-US" sz="2400" dirty="0">
-                <a:solidFill>
-                  <a:schemeClr val="accent1"/>
-                </a:solidFill>
-                <a:latin typeface="Times New Roman" pitchFamily="18" charset="0"/>
-                <a:cs typeface="Times New Roman" pitchFamily="18" charset="0"/>
-              </a:rPr>
-              <a:t>[1].</a:t>
-            </a:r>
-          </a:p>
-          <a:p>
-            <a:pPr>
-              <a:lnSpc>
-                <a:spcPct val="200000"/>
-              </a:lnSpc>
-              <a:buFont typeface="Wingdings" pitchFamily="2" charset="2"/>
-              <a:buChar char="v"/>
-            </a:pPr>
-            <a:r>
-              <a:rPr lang="en-US" sz="2400" dirty="0">
-                <a:solidFill>
-                  <a:srgbClr val="000066"/>
-                </a:solidFill>
-                <a:latin typeface="Times New Roman" pitchFamily="18" charset="0"/>
-                <a:cs typeface="Times New Roman" pitchFamily="18" charset="0"/>
-              </a:rPr>
-              <a:t> Có thể nói SOA là triết lý thiết kế phần mềm còn Web Services là đặc tả công nghệ, và nó đưa ra các giải pháp kỹ thuật để thực hiện SOA. Trong đó có thể nói đến một bộ Toolset để triển khai SOA là Java Web Services </a:t>
-            </a:r>
-            <a:r>
-              <a:rPr lang="en-US" sz="2400" dirty="0">
-                <a:solidFill>
-                  <a:schemeClr val="accent1"/>
-                </a:solidFill>
-                <a:latin typeface="Times New Roman" pitchFamily="18" charset="0"/>
-                <a:cs typeface="Times New Roman" pitchFamily="18" charset="0"/>
-              </a:rPr>
-              <a:t>[2].</a:t>
-            </a:r>
-            <a:endParaRPr lang="en-US" sz="2400" dirty="0">
-              <a:solidFill>
-                <a:srgbClr val="000066"/>
-              </a:solidFill>
-              <a:latin typeface="Times New Roman" pitchFamily="18" charset="0"/>
-              <a:cs typeface="Times New Roman" pitchFamily="18" charset="0"/>
-            </a:endParaRPr>
-          </a:p>
-          <a:p>
-            <a:pPr>
-              <a:lnSpc>
-                <a:spcPct val="200000"/>
-              </a:lnSpc>
-              <a:buFont typeface="Wingdings" pitchFamily="2" charset="2"/>
-              <a:buChar char="v"/>
-            </a:pPr>
-            <a:endParaRPr lang="vi-VN" sz="2400" dirty="0">
-              <a:solidFill>
-                <a:srgbClr val="000066"/>
-              </a:solidFill>
-              <a:latin typeface="Times New Roman" pitchFamily="18" charset="0"/>
-              <a:cs typeface="Times New Roman" pitchFamily="18" charset="0"/>
-            </a:endParaRPr>
-          </a:p>
-        </p:txBody>
-      </p:sp>
-      <p:sp>
-        <p:nvSpPr>
-          <p:cNvPr id="5" name="Title 1"/>
-          <p:cNvSpPr txBox="1">
-            <a:spLocks/>
-          </p:cNvSpPr>
-          <p:nvPr/>
-        </p:nvSpPr>
-        <p:spPr>
-          <a:xfrm>
-            <a:off x="1049215" y="576775"/>
-            <a:ext cx="10515600" cy="607477"/>
-          </a:xfrm>
-          <a:prstGeom prst="rect">
-            <a:avLst/>
-          </a:prstGeom>
-        </p:spPr>
-        <p:style>
-          <a:lnRef idx="0">
-            <a:schemeClr val="accent1"/>
-          </a:lnRef>
-          <a:fillRef idx="3">
-            <a:schemeClr val="accent1"/>
-          </a:fillRef>
-          <a:effectRef idx="3">
-            <a:schemeClr val="accent1"/>
-          </a:effectRef>
-          <a:fontRef idx="minor">
-            <a:schemeClr val="lt1"/>
-          </a:fontRef>
-        </p:style>
-        <p:txBody>
-          <a:bodyPr vert="horz" lIns="91440" tIns="45720" rIns="91440" bIns="45720" rtlCol="0" anchor="b">
-            <a:noAutofit/>
-          </a:bodyPr>
-          <a:lstStyle>
-            <a:lvl1pPr algn="ctr" defTabSz="914400" rtl="0" eaLnBrk="1" latinLnBrk="0" hangingPunct="1">
-              <a:lnSpc>
-                <a:spcPct val="90000"/>
-              </a:lnSpc>
-              <a:spcBef>
-                <a:spcPct val="0"/>
-              </a:spcBef>
-              <a:buNone/>
-              <a:defRPr sz="6000" kern="1200">
-                <a:solidFill>
-                  <a:schemeClr val="tx1"/>
-                </a:solidFill>
-                <a:latin typeface="+mj-lt"/>
-                <a:ea typeface="+mj-ea"/>
-                <a:cs typeface="+mj-cs"/>
-              </a:defRPr>
-            </a:lvl1pPr>
-          </a:lstStyle>
-          <a:p>
-            <a:r>
-              <a:rPr lang="en-US" sz="3600" b="1" spc="50" dirty="0" smtClean="0">
-                <a:ln w="9525" cmpd="sng">
-                  <a:solidFill>
-                    <a:schemeClr val="accent1"/>
-                  </a:solidFill>
-                  <a:prstDash val="solid"/>
-                </a:ln>
-                <a:solidFill>
-                  <a:srgbClr val="70AD47">
-                    <a:tint val="1000"/>
-                  </a:srgbClr>
-                </a:solidFill>
-                <a:effectLst>
-                  <a:glow rad="38100">
-                    <a:schemeClr val="accent1">
-                      <a:alpha val="40000"/>
-                    </a:schemeClr>
-                  </a:glow>
-                </a:effectLst>
-                <a:latin typeface="Times New Roman" panose="02020603050405020304" pitchFamily="18" charset="0"/>
-                <a:cs typeface="Times New Roman" panose="02020603050405020304" pitchFamily="18" charset="0"/>
-              </a:rPr>
-              <a:t>TỔNG QUAN TÀI LIỆU</a:t>
-            </a:r>
-            <a:endParaRPr lang="en-US" sz="3600" b="1" spc="50" dirty="0">
-              <a:ln w="9525" cmpd="sng">
-                <a:solidFill>
-                  <a:schemeClr val="accent1"/>
-                </a:solidFill>
-                <a:prstDash val="solid"/>
-              </a:ln>
-              <a:solidFill>
-                <a:srgbClr val="70AD47">
-                  <a:tint val="1000"/>
-                </a:srgbClr>
-              </a:solidFill>
-              <a:effectLst>
-                <a:glow rad="38100">
-                  <a:schemeClr val="accent1">
-                    <a:alpha val="40000"/>
-                  </a:schemeClr>
-                </a:glow>
-              </a:effectLst>
-              <a:latin typeface="Times New Roman" panose="02020603050405020304" pitchFamily="18" charset="0"/>
-              <a:cs typeface="Times New Roman" panose="02020603050405020304" pitchFamily="18" charset="0"/>
-            </a:endParaRPr>
-          </a:p>
-        </p:txBody>
-      </p:sp>
-      <p:sp>
-        <p:nvSpPr>
-          <p:cNvPr id="4" name="Slide Number Placeholder 3"/>
-          <p:cNvSpPr>
-            <a:spLocks noGrp="1"/>
-          </p:cNvSpPr>
-          <p:nvPr>
-            <p:ph type="sldNum" sz="quarter" idx="12"/>
-          </p:nvPr>
-        </p:nvSpPr>
-        <p:spPr/>
-        <p:txBody>
-          <a:bodyPr/>
-          <a:lstStyle/>
-          <a:p>
-            <a:fld id="{6AAF2C3B-9B77-47AC-B3C0-E8FD61040158}" type="slidenum">
-              <a:rPr lang="en-US" smtClean="0">
-                <a:solidFill>
-                  <a:schemeClr val="bg1"/>
-                </a:solidFill>
-              </a:rPr>
               <a:t>4</a:t>
             </a:fld>
             <a:endParaRPr lang="en-US" dirty="0">
@@ -8799,7 +9635,7 @@
     </p:spTree>
     <p:extLst>
       <p:ext uri="{BB962C8B-B14F-4D97-AF65-F5344CB8AC3E}">
-        <p14:creationId xmlns:p14="http://schemas.microsoft.com/office/powerpoint/2010/main" val="506462746"/>
+        <p14:creationId xmlns:p14="http://schemas.microsoft.com/office/powerpoint/2010/main" val="567744087"/>
       </p:ext>
     </p:extLst>
   </p:cSld>
@@ -8895,7 +9731,7 @@
         </p:nvSpPr>
         <p:spPr>
           <a:xfrm>
-            <a:off x="1049217" y="1521332"/>
+            <a:off x="1049217" y="1268660"/>
             <a:ext cx="10515599" cy="4524315"/>
           </a:xfrm>
           <a:prstGeom prst="rect">
@@ -8917,7 +9753,7 @@
               <a:buChar char="v"/>
             </a:pPr>
             <a:r>
-              <a:rPr lang="vi-VN" sz="2400" dirty="0" smtClean="0">
+              <a:rPr lang="vi-VN" sz="2400" dirty="0">
                 <a:solidFill>
                   <a:srgbClr val="000066"/>
                 </a:solidFill>
@@ -8934,7 +9770,7 @@
                 <a:latin typeface="Times New Roman" pitchFamily="18" charset="0"/>
                 <a:cs typeface="Times New Roman" pitchFamily="18" charset="0"/>
               </a:rPr>
-              <a:t>Nghiên cứu cơ sở lý thuyết của kiến trúc hướng dịch vụ (SOA). Từ đó tìm hiểu các hình thức lập trình ứng dụng với kiến trúc hướng dịch vụ.</a:t>
+              <a:t>Trong những năm trở lại đây, một giải pháp được cộng đồng công nghệ thông tin quan tâm, chú ý đó là “Kiến trúc hướng dịch vụ” (Service-oriented Architecture –SOA).</a:t>
             </a:r>
           </a:p>
           <a:p>
@@ -8953,64 +9789,8 @@
                 <a:latin typeface="Times New Roman" pitchFamily="18" charset="0"/>
                 <a:cs typeface="Times New Roman" pitchFamily="18" charset="0"/>
               </a:rPr>
-              <a:t> Khung ứng dụng hỗ trợ lập trình SOA.</a:t>
-            </a:r>
-          </a:p>
-          <a:p>
-            <a:pPr>
-              <a:lnSpc>
-                <a:spcPct val="200000"/>
-              </a:lnSpc>
-              <a:buFont typeface="Wingdings" pitchFamily="2" charset="2"/>
-              <a:buChar char="v"/>
-            </a:pPr>
-            <a:r>
-              <a:rPr lang="en-US" sz="2400" dirty="0">
-                <a:solidFill>
-                  <a:srgbClr val="000066"/>
-                </a:solidFill>
-                <a:latin typeface="Times New Roman" pitchFamily="18" charset="0"/>
-                <a:cs typeface="Times New Roman" pitchFamily="18" charset="0"/>
-              </a:rPr>
-              <a:t> </a:t>
-            </a:r>
-            <a:r>
-              <a:rPr lang="en-US" sz="2400" dirty="0" smtClean="0">
-                <a:solidFill>
-                  <a:srgbClr val="000066"/>
-                </a:solidFill>
-                <a:latin typeface="Times New Roman" pitchFamily="18" charset="0"/>
-                <a:cs typeface="Times New Roman" pitchFamily="18" charset="0"/>
-              </a:rPr>
-              <a:t>Xây </a:t>
-            </a:r>
-            <a:r>
-              <a:rPr lang="en-US" sz="2400" dirty="0">
-                <a:solidFill>
-                  <a:srgbClr val="000066"/>
-                </a:solidFill>
-                <a:latin typeface="Times New Roman" pitchFamily="18" charset="0"/>
-                <a:cs typeface="Times New Roman" pitchFamily="18" charset="0"/>
-              </a:rPr>
-              <a:t>dựng một kiến trúc plugin dựa trên SOA để hỗ trợ “plug-and-play” cho một kiến trúc tích hợp phần </a:t>
-            </a:r>
-            <a:r>
-              <a:rPr lang="en-US" sz="2400" dirty="0" smtClean="0">
-                <a:solidFill>
-                  <a:srgbClr val="000066"/>
-                </a:solidFill>
-                <a:latin typeface="Times New Roman" pitchFamily="18" charset="0"/>
-                <a:cs typeface="Times New Roman" pitchFamily="18" charset="0"/>
-              </a:rPr>
-              <a:t>mềm.</a:t>
-            </a:r>
-            <a:endParaRPr lang="en-US" sz="2400" dirty="0">
-              <a:solidFill>
-                <a:srgbClr val="000066"/>
-              </a:solidFill>
-              <a:latin typeface="Times New Roman" pitchFamily="18" charset="0"/>
-              <a:cs typeface="Times New Roman" pitchFamily="18" charset="0"/>
-            </a:endParaRPr>
+              <a:t> Kiến trúc này hiện nay được nhiều công ty, tổ chức sử dụng và đã mang lại những kết quả khả quan.</a:t>
+            </a:r>
           </a:p>
           <a:p>
             <a:pPr>
@@ -9108,7 +9888,7 @@
                 <a:latin typeface="Times New Roman" panose="02020603050405020304" pitchFamily="18" charset="0"/>
                 <a:cs typeface="Times New Roman" panose="02020603050405020304" pitchFamily="18" charset="0"/>
               </a:rPr>
-              <a:t>MỤC TIÊU NGHIÊN CỨU</a:t>
+              <a:t>LÝ DO CHỌN ĐỀ TÀI</a:t>
             </a:r>
             <a:endParaRPr lang="en-US" sz="3600" b="1" spc="50" dirty="0">
               <a:ln w="9525" cmpd="sng">
@@ -9169,7 +9949,7 @@
     </p:spTree>
     <p:extLst>
       <p:ext uri="{BB962C8B-B14F-4D97-AF65-F5344CB8AC3E}">
-        <p14:creationId xmlns:p14="http://schemas.microsoft.com/office/powerpoint/2010/main" val="269265574"/>
+        <p14:creationId xmlns:p14="http://schemas.microsoft.com/office/powerpoint/2010/main" val="717778444"/>
       </p:ext>
     </p:extLst>
   </p:cSld>
@@ -9265,7 +10045,7 @@
         </p:nvSpPr>
         <p:spPr>
           <a:xfrm>
-            <a:off x="1049217" y="1557428"/>
+            <a:off x="1049217" y="1088180"/>
             <a:ext cx="10515599" cy="6001643"/>
           </a:xfrm>
           <a:prstGeom prst="rect">
@@ -9297,14 +10077,24 @@
               <a:t> </a:t>
             </a:r>
             <a:r>
-              <a:rPr lang="en-US" sz="2400" dirty="0" smtClean="0">
+              <a:rPr lang="en-US" sz="2400" dirty="0">
                 <a:solidFill>
                   <a:srgbClr val="000066"/>
                 </a:solidFill>
                 <a:latin typeface="Times New Roman" pitchFamily="18" charset="0"/>
                 <a:cs typeface="Times New Roman" pitchFamily="18" charset="0"/>
               </a:rPr>
-              <a:t>Nghiên cứu nền tảng kiến trúc hướng dịch vụ SOA.</a:t>
+              <a:t>Web Services hiện nay được nhiều công ty, tổ chức sử dụng như các ứng dụng độc lập thực hiện các nghiệp vụ cho quy trình riêng mình. Tuy nhiên, sức mạnh thực sự của nó nằm ở chỗ kết hợp lại được với nhau, áp dụng nguyên tác và khái niệm về SOA </a:t>
+            </a:r>
+            <a:r>
+              <a:rPr lang="en-US" sz="2400" dirty="0">
+                <a:solidFill>
+                  <a:schemeClr val="accent1"/>
+                </a:solidFill>
+                <a:latin typeface="Times New Roman" pitchFamily="18" charset="0"/>
+                <a:cs typeface="Times New Roman" pitchFamily="18" charset="0"/>
+              </a:rPr>
+              <a:t>[1].</a:t>
             </a:r>
           </a:p>
           <a:p>
@@ -9316,139 +10106,26 @@
               <a:buChar char="v"/>
             </a:pPr>
             <a:r>
-              <a:rPr lang="en-US" sz="2400" dirty="0" smtClean="0">
+              <a:rPr lang="en-US" sz="2400" dirty="0">
                 <a:solidFill>
                   <a:srgbClr val="000066"/>
                 </a:solidFill>
                 <a:latin typeface="Times New Roman" pitchFamily="18" charset="0"/>
                 <a:cs typeface="Times New Roman" pitchFamily="18" charset="0"/>
               </a:rPr>
-              <a:t> Nghiên cứu công nghệ Web Services và ngôn ngữ thi hành quy trình nghiệp </a:t>
+              <a:t> Có thể nói SOA là triết lý thiết kế phần mềm còn Web Services là đặc tả công nghệ, và nó đưa ra các giải pháp kỹ thuật để thực hiện SOA. Trong đó có thể nói đến một bộ Toolset để triển khai SOA là Java Web Services </a:t>
             </a:r>
             <a:r>
               <a:rPr lang="en-US" sz="2400" dirty="0">
                 <a:solidFill>
-                  <a:srgbClr val="000066"/>
+                  <a:schemeClr val="accent1"/>
                 </a:solidFill>
                 <a:latin typeface="Times New Roman" pitchFamily="18" charset="0"/>
                 <a:cs typeface="Times New Roman" pitchFamily="18" charset="0"/>
               </a:rPr>
-              <a:t>vụ (BPEL) </a:t>
-            </a:r>
-            <a:r>
-              <a:rPr lang="en-US" sz="2400" dirty="0" smtClean="0">
-                <a:solidFill>
-                  <a:srgbClr val="000066"/>
-                </a:solidFill>
-                <a:latin typeface="Times New Roman" pitchFamily="18" charset="0"/>
-                <a:cs typeface="Times New Roman" pitchFamily="18" charset="0"/>
-              </a:rPr>
-              <a:t>để xây dựng nên kiến trúc hướng dịch vụ.</a:t>
-            </a:r>
-          </a:p>
-          <a:p>
-            <a:pPr>
-              <a:lnSpc>
-                <a:spcPct val="200000"/>
-              </a:lnSpc>
-              <a:buFont typeface="Wingdings" pitchFamily="2" charset="2"/>
-              <a:buChar char="v"/>
-            </a:pPr>
-            <a:r>
-              <a:rPr lang="en-US" sz="2400" dirty="0" smtClean="0">
-                <a:solidFill>
-                  <a:srgbClr val="000066"/>
-                </a:solidFill>
-                <a:latin typeface="Times New Roman" pitchFamily="18" charset="0"/>
-                <a:cs typeface="Times New Roman" pitchFamily="18" charset="0"/>
-              </a:rPr>
-              <a:t> Nghiên cứu về kiến trúc Plugin trong Eclipse.</a:t>
-            </a:r>
-          </a:p>
-          <a:p>
-            <a:pPr>
-              <a:lnSpc>
-                <a:spcPct val="200000"/>
-              </a:lnSpc>
-              <a:buFont typeface="Wingdings" pitchFamily="2" charset="2"/>
-              <a:buChar char="v"/>
-            </a:pPr>
-            <a:r>
-              <a:rPr lang="en-US" sz="2400" dirty="0">
-                <a:solidFill>
-                  <a:srgbClr val="000066"/>
-                </a:solidFill>
-                <a:latin typeface="Times New Roman" pitchFamily="18" charset="0"/>
-                <a:cs typeface="Times New Roman" pitchFamily="18" charset="0"/>
-              </a:rPr>
-              <a:t> </a:t>
-            </a:r>
-            <a:r>
-              <a:rPr lang="en-US" sz="2400" dirty="0" smtClean="0">
-                <a:solidFill>
-                  <a:srgbClr val="000066"/>
-                </a:solidFill>
-                <a:latin typeface="Times New Roman" pitchFamily="18" charset="0"/>
-                <a:cs typeface="Times New Roman" pitchFamily="18" charset="0"/>
-              </a:rPr>
-              <a:t>Mô hình Services Bus trong SOA.</a:t>
-            </a:r>
-          </a:p>
-          <a:p>
-            <a:pPr>
-              <a:lnSpc>
-                <a:spcPct val="200000"/>
-              </a:lnSpc>
-              <a:buFont typeface="Wingdings" pitchFamily="2" charset="2"/>
-              <a:buChar char="v"/>
-            </a:pPr>
-            <a:r>
-              <a:rPr lang="en-US" sz="2400" dirty="0">
-                <a:solidFill>
-                  <a:srgbClr val="000066"/>
-                </a:solidFill>
-                <a:latin typeface="Times New Roman" pitchFamily="18" charset="0"/>
-                <a:cs typeface="Times New Roman" pitchFamily="18" charset="0"/>
-              </a:rPr>
-              <a:t> </a:t>
-            </a:r>
-            <a:r>
-              <a:rPr lang="en-US" sz="2400" dirty="0" smtClean="0">
-                <a:solidFill>
-                  <a:srgbClr val="000066"/>
-                </a:solidFill>
-                <a:latin typeface="Times New Roman" pitchFamily="18" charset="0"/>
-                <a:cs typeface="Times New Roman" pitchFamily="18" charset="0"/>
-              </a:rPr>
-              <a:t>Tìm hiểu về “</a:t>
-            </a:r>
-            <a:r>
-              <a:rPr lang="en-US" sz="2400" smtClean="0">
-                <a:solidFill>
-                  <a:srgbClr val="000066"/>
-                </a:solidFill>
-                <a:latin typeface="Times New Roman" pitchFamily="18" charset="0"/>
-                <a:cs typeface="Times New Roman" pitchFamily="18" charset="0"/>
-              </a:rPr>
-              <a:t>plug-and-play”.</a:t>
+              <a:t>[2].</a:t>
             </a:r>
             <a:endParaRPr lang="en-US" sz="2400" dirty="0">
-              <a:solidFill>
-                <a:srgbClr val="000066"/>
-              </a:solidFill>
-              <a:latin typeface="Times New Roman" pitchFamily="18" charset="0"/>
-              <a:cs typeface="Times New Roman" pitchFamily="18" charset="0"/>
-            </a:endParaRPr>
-          </a:p>
-          <a:p>
-            <a:pPr>
-              <a:lnSpc>
-                <a:spcPct val="200000"/>
-              </a:lnSpc>
-              <a:buFont typeface="Wingdings" pitchFamily="2" charset="2"/>
-              <a:buChar char="v"/>
-            </a:pPr>
-            <a:endParaRPr lang="en-US" sz="2400" dirty="0" smtClean="0">
               <a:solidFill>
                 <a:srgbClr val="000066"/>
               </a:solidFill>
@@ -9552,7 +10229,7 @@
                 <a:latin typeface="Times New Roman" panose="02020603050405020304" pitchFamily="18" charset="0"/>
                 <a:cs typeface="Times New Roman" panose="02020603050405020304" pitchFamily="18" charset="0"/>
               </a:rPr>
-              <a:t>NỘI DUNG NGHIÊN CỨU</a:t>
+              <a:t>TỔNG QUAN TÀI LIỆU</a:t>
             </a:r>
             <a:endParaRPr lang="en-US" sz="3600" b="1" spc="50" dirty="0">
               <a:ln w="9525" cmpd="sng">
@@ -9613,7 +10290,7 @@
     </p:spTree>
     <p:extLst>
       <p:ext uri="{BB962C8B-B14F-4D97-AF65-F5344CB8AC3E}">
-        <p14:creationId xmlns:p14="http://schemas.microsoft.com/office/powerpoint/2010/main" val="939405607"/>
+        <p14:creationId xmlns:p14="http://schemas.microsoft.com/office/powerpoint/2010/main" val="506462746"/>
       </p:ext>
     </p:extLst>
   </p:cSld>
@@ -9709,7 +10386,7 @@
         </p:nvSpPr>
         <p:spPr>
           <a:xfrm>
-            <a:off x="1049217" y="1352884"/>
+            <a:off x="1049217" y="1521332"/>
             <a:ext cx="10515599" cy="4524315"/>
           </a:xfrm>
           <a:prstGeom prst="rect">
@@ -9725,138 +10402,122 @@
           <a:p>
             <a:pPr>
               <a:lnSpc>
-                <a:spcPct val="150000"/>
+                <a:spcPct val="200000"/>
               </a:lnSpc>
+              <a:buFont typeface="Wingdings" pitchFamily="2" charset="2"/>
+              <a:buChar char="v"/>
             </a:pPr>
             <a:r>
-              <a:rPr lang="en-US" sz="2400" b="1" dirty="0" smtClean="0">
+              <a:rPr lang="vi-VN" sz="2400" dirty="0" smtClean="0">
                 <a:solidFill>
                   <a:srgbClr val="000066"/>
                 </a:solidFill>
                 <a:latin typeface="Times New Roman" pitchFamily="18" charset="0"/>
                 <a:cs typeface="Times New Roman" pitchFamily="18" charset="0"/>
               </a:rPr>
-              <a:t>Phần mở đầu</a:t>
+              <a:t> </a:t>
+            </a:r>
+            <a:r>
+              <a:rPr lang="en-US" sz="2400" dirty="0" smtClean="0">
+                <a:solidFill>
+                  <a:srgbClr val="000066"/>
+                </a:solidFill>
+                <a:latin typeface="Times New Roman" pitchFamily="18" charset="0"/>
+                <a:cs typeface="Times New Roman" pitchFamily="18" charset="0"/>
+              </a:rPr>
+              <a:t>Nghiên cứu cơ sở lý thuyết của kiến trúc hướng dịch vụ (SOA). Từ đó tìm hiểu các hình thức lập trình ứng dụng với kiến trúc hướng dịch vụ.</a:t>
             </a:r>
           </a:p>
           <a:p>
             <a:pPr>
               <a:lnSpc>
-                <a:spcPct val="150000"/>
+                <a:spcPct val="200000"/>
               </a:lnSpc>
+              <a:buFont typeface="Wingdings" pitchFamily="2" charset="2"/>
+              <a:buChar char="v"/>
             </a:pPr>
             <a:r>
-              <a:rPr lang="en-US" sz="2400" b="1" dirty="0" smtClean="0">
+              <a:rPr lang="en-US" sz="2400" dirty="0" smtClean="0">
                 <a:solidFill>
                   <a:srgbClr val="000066"/>
                 </a:solidFill>
                 <a:latin typeface="Times New Roman" pitchFamily="18" charset="0"/>
                 <a:cs typeface="Times New Roman" pitchFamily="18" charset="0"/>
               </a:rPr>
-              <a:t>Phần nội dung</a:t>
+              <a:t> Khung ứng dụng hỗ trợ lập trình SOA.</a:t>
             </a:r>
           </a:p>
           <a:p>
             <a:pPr>
               <a:lnSpc>
-                <a:spcPct val="150000"/>
+                <a:spcPct val="200000"/>
               </a:lnSpc>
+              <a:buFont typeface="Wingdings" pitchFamily="2" charset="2"/>
+              <a:buChar char="v"/>
             </a:pPr>
             <a:r>
-              <a:rPr lang="en-US" sz="2400" b="1" dirty="0">
+              <a:rPr lang="en-US" sz="2400" dirty="0">
                 <a:solidFill>
                   <a:srgbClr val="000066"/>
                 </a:solidFill>
                 <a:latin typeface="Times New Roman" pitchFamily="18" charset="0"/>
                 <a:cs typeface="Times New Roman" pitchFamily="18" charset="0"/>
               </a:rPr>
-              <a:t>Chương 1: Tổng quan về kiến trúc hướng dịch vụ SOA</a:t>
-            </a:r>
+              <a:t> </a:t>
+            </a:r>
+            <a:r>
+              <a:rPr lang="en-US" sz="2400" dirty="0" smtClean="0">
+                <a:solidFill>
+                  <a:srgbClr val="000066"/>
+                </a:solidFill>
+                <a:latin typeface="Times New Roman" pitchFamily="18" charset="0"/>
+                <a:cs typeface="Times New Roman" pitchFamily="18" charset="0"/>
+              </a:rPr>
+              <a:t>Xây </a:t>
+            </a:r>
+            <a:r>
+              <a:rPr lang="en-US" sz="2400" dirty="0">
+                <a:solidFill>
+                  <a:srgbClr val="000066"/>
+                </a:solidFill>
+                <a:latin typeface="Times New Roman" pitchFamily="18" charset="0"/>
+                <a:cs typeface="Times New Roman" pitchFamily="18" charset="0"/>
+              </a:rPr>
+              <a:t>dựng một kiến trúc plugin dựa trên SOA để hỗ trợ “plug-and-play” cho một kiến trúc tích hợp phần </a:t>
+            </a:r>
+            <a:r>
+              <a:rPr lang="en-US" sz="2400" dirty="0" smtClean="0">
+                <a:solidFill>
+                  <a:srgbClr val="000066"/>
+                </a:solidFill>
+                <a:latin typeface="Times New Roman" pitchFamily="18" charset="0"/>
+                <a:cs typeface="Times New Roman" pitchFamily="18" charset="0"/>
+              </a:rPr>
+              <a:t>mềm.</a:t>
+            </a:r>
+            <a:endParaRPr lang="en-US" sz="2400" dirty="0">
+              <a:solidFill>
+                <a:srgbClr val="000066"/>
+              </a:solidFill>
+              <a:latin typeface="Times New Roman" pitchFamily="18" charset="0"/>
+              <a:cs typeface="Times New Roman" pitchFamily="18" charset="0"/>
+            </a:endParaRPr>
           </a:p>
           <a:p>
             <a:pPr>
               <a:lnSpc>
-                <a:spcPct val="150000"/>
+                <a:spcPct val="200000"/>
               </a:lnSpc>
+              <a:buFont typeface="Wingdings" pitchFamily="2" charset="2"/>
+              <a:buChar char="v"/>
             </a:pPr>
-            <a:r>
-              <a:rPr lang="en-US" sz="2400" dirty="0">
-                <a:solidFill>
-                  <a:srgbClr val="000066"/>
-                </a:solidFill>
-                <a:latin typeface="Times New Roman" pitchFamily="18" charset="0"/>
-                <a:cs typeface="Times New Roman" pitchFamily="18" charset="0"/>
-              </a:rPr>
-              <a:t>    1.1 Công nghệ Java Web Services</a:t>
-            </a:r>
-          </a:p>
-          <a:p>
-            <a:pPr lvl="2">
-              <a:lnSpc>
-                <a:spcPct val="150000"/>
-              </a:lnSpc>
-            </a:pPr>
-            <a:r>
-              <a:rPr lang="en-US" sz="2400" dirty="0">
-                <a:solidFill>
-                  <a:srgbClr val="000066"/>
-                </a:solidFill>
-                <a:latin typeface="Times New Roman" pitchFamily="18" charset="0"/>
-                <a:cs typeface="Times New Roman" pitchFamily="18" charset="0"/>
-              </a:rPr>
-              <a:t>1.1.1 Tổng quan về Web Services</a:t>
-            </a:r>
-          </a:p>
-          <a:p>
-            <a:pPr lvl="2">
-              <a:lnSpc>
-                <a:spcPct val="150000"/>
-              </a:lnSpc>
-            </a:pPr>
-            <a:r>
-              <a:rPr lang="en-US" sz="2400" dirty="0">
-                <a:solidFill>
-                  <a:srgbClr val="000066"/>
-                </a:solidFill>
-                <a:latin typeface="Times New Roman" pitchFamily="18" charset="0"/>
-                <a:cs typeface="Times New Roman" pitchFamily="18" charset="0"/>
-              </a:rPr>
-              <a:t>1.1.2 Kiến trúc của Web Services</a:t>
-            </a:r>
-          </a:p>
-          <a:p>
-            <a:pPr lvl="2">
-              <a:lnSpc>
-                <a:spcPct val="150000"/>
-              </a:lnSpc>
-            </a:pPr>
-            <a:r>
-              <a:rPr lang="en-US" sz="2400" dirty="0">
-                <a:solidFill>
-                  <a:srgbClr val="000066"/>
-                </a:solidFill>
-                <a:latin typeface="Times New Roman" pitchFamily="18" charset="0"/>
-                <a:cs typeface="Times New Roman" pitchFamily="18" charset="0"/>
-              </a:rPr>
-              <a:t>1.1.3 Các giao thức trong Web Services</a:t>
-            </a:r>
-          </a:p>
-          <a:p>
-            <a:pPr lvl="2">
-              <a:lnSpc>
-                <a:spcPct val="150000"/>
-              </a:lnSpc>
-            </a:pPr>
-            <a:r>
-              <a:rPr lang="en-US" sz="2400" dirty="0">
-                <a:solidFill>
-                  <a:srgbClr val="000066"/>
-                </a:solidFill>
-                <a:latin typeface="Times New Roman" pitchFamily="18" charset="0"/>
-                <a:cs typeface="Times New Roman" pitchFamily="18" charset="0"/>
-              </a:rPr>
-              <a:t>1.1.4 Các thư viện dùng để tạo Web Services trong Java</a:t>
-            </a:r>
+            <a:endParaRPr lang="vi-VN" sz="2400" dirty="0">
+              <a:solidFill>
+                <a:srgbClr val="000066"/>
+              </a:solidFill>
+              <a:latin typeface="Times New Roman" pitchFamily="18" charset="0"/>
+              <a:cs typeface="Times New Roman" pitchFamily="18" charset="0"/>
+            </a:endParaRPr>
           </a:p>
         </p:txBody>
       </p:sp>
@@ -9938,7 +10599,7 @@
                 <a:latin typeface="Times New Roman" panose="02020603050405020304" pitchFamily="18" charset="0"/>
                 <a:cs typeface="Times New Roman" panose="02020603050405020304" pitchFamily="18" charset="0"/>
               </a:rPr>
-              <a:t>DỰ KIẾN BỐ CỤC LUẬN VĂN</a:t>
+              <a:t>MỤC TIÊU NGHIÊN CỨU</a:t>
             </a:r>
             <a:endParaRPr lang="en-US" sz="3600" b="1" spc="50" dirty="0">
               <a:ln w="9525" cmpd="sng">
@@ -9999,7 +10660,7 @@
     </p:spTree>
     <p:extLst>
       <p:ext uri="{BB962C8B-B14F-4D97-AF65-F5344CB8AC3E}">
-        <p14:creationId xmlns:p14="http://schemas.microsoft.com/office/powerpoint/2010/main" val="2670767464"/>
+        <p14:creationId xmlns:p14="http://schemas.microsoft.com/office/powerpoint/2010/main" val="269265574"/>
       </p:ext>
     </p:extLst>
   </p:cSld>
@@ -10095,8 +10756,8 @@
         </p:nvSpPr>
         <p:spPr>
           <a:xfrm>
-            <a:off x="1049217" y="943796"/>
-            <a:ext cx="10515599" cy="5632311"/>
+            <a:off x="1049217" y="1557428"/>
+            <a:ext cx="10515599" cy="6001643"/>
           </a:xfrm>
           <a:prstGeom prst="rect">
             <a:avLst/>
@@ -10111,60 +10772,50 @@
           <a:p>
             <a:pPr>
               <a:lnSpc>
-                <a:spcPct val="150000"/>
+                <a:spcPct val="200000"/>
               </a:lnSpc>
+              <a:buFont typeface="Wingdings" pitchFamily="2" charset="2"/>
+              <a:buChar char="v"/>
             </a:pPr>
             <a:r>
-              <a:rPr lang="en-US" sz="2400" dirty="0">
+              <a:rPr lang="vi-VN" sz="2400" dirty="0">
                 <a:solidFill>
                   <a:srgbClr val="000066"/>
                 </a:solidFill>
                 <a:latin typeface="Times New Roman" pitchFamily="18" charset="0"/>
                 <a:cs typeface="Times New Roman" pitchFamily="18" charset="0"/>
               </a:rPr>
-              <a:t>1.2 Kiến trúc hướng dịch vụ</a:t>
-            </a:r>
-          </a:p>
-          <a:p>
-            <a:pPr lvl="2">
-              <a:lnSpc>
-                <a:spcPct val="150000"/>
-              </a:lnSpc>
-            </a:pPr>
-            <a:r>
-              <a:rPr lang="en-US" sz="2400" dirty="0">
+              <a:t> </a:t>
+            </a:r>
+            <a:r>
+              <a:rPr lang="en-US" sz="2400" dirty="0" smtClean="0">
                 <a:solidFill>
                   <a:srgbClr val="000066"/>
                 </a:solidFill>
                 <a:latin typeface="Times New Roman" pitchFamily="18" charset="0"/>
                 <a:cs typeface="Times New Roman" pitchFamily="18" charset="0"/>
               </a:rPr>
-              <a:t>1.2.1 Kiến trúc hướng dịch vụ (SOA) là gì?</a:t>
-            </a:r>
-          </a:p>
-          <a:p>
-            <a:pPr lvl="2">
+              <a:t>Nghiên cứu nền tảng kiến trúc hướng dịch vụ SOA.</a:t>
+            </a:r>
+          </a:p>
+          <a:p>
+            <a:pPr>
               <a:lnSpc>
-                <a:spcPct val="150000"/>
+                <a:spcPct val="200000"/>
               </a:lnSpc>
+              <a:buFont typeface="Wingdings" pitchFamily="2" charset="2"/>
+              <a:buChar char="v"/>
             </a:pPr>
             <a:r>
-              <a:rPr lang="en-US" sz="2400" dirty="0">
+              <a:rPr lang="en-US" sz="2400" dirty="0" smtClean="0">
                 <a:solidFill>
                   <a:srgbClr val="000066"/>
                 </a:solidFill>
                 <a:latin typeface="Times New Roman" pitchFamily="18" charset="0"/>
                 <a:cs typeface="Times New Roman" pitchFamily="18" charset="0"/>
               </a:rPr>
-              <a:t>1.2.2 Các nguyên tắc chính của hệ thống SOA</a:t>
-            </a:r>
-          </a:p>
-          <a:p>
-            <a:pPr lvl="2">
-              <a:lnSpc>
-                <a:spcPct val="150000"/>
-              </a:lnSpc>
-            </a:pPr>
+              <a:t> Nghiên cứu công nghệ Web Services và ngôn ngữ thi hành quy trình nghiệp </a:t>
+            </a:r>
             <a:r>
               <a:rPr lang="en-US" sz="2400" dirty="0">
                 <a:solidFill>
@@ -10173,48 +10824,45 @@
                 <a:latin typeface="Times New Roman" pitchFamily="18" charset="0"/>
                 <a:cs typeface="Times New Roman" pitchFamily="18" charset="0"/>
               </a:rPr>
-              <a:t>1.2.3 Các tính chất của một hệ thống SOA</a:t>
-            </a:r>
-          </a:p>
-          <a:p>
-            <a:pPr lvl="2">
-              <a:lnSpc>
-                <a:spcPct val="150000"/>
-              </a:lnSpc>
-            </a:pPr>
-            <a:r>
-              <a:rPr lang="en-US" sz="2400" dirty="0">
+              <a:t>vụ (BPEL) </a:t>
+            </a:r>
+            <a:r>
+              <a:rPr lang="en-US" sz="2400" dirty="0" smtClean="0">
                 <a:solidFill>
                   <a:srgbClr val="000066"/>
                 </a:solidFill>
                 <a:latin typeface="Times New Roman" pitchFamily="18" charset="0"/>
                 <a:cs typeface="Times New Roman" pitchFamily="18" charset="0"/>
               </a:rPr>
-              <a:t>1.2.4 Kiến trúc phân tầng chi tiết của SOA</a:t>
-            </a:r>
-          </a:p>
-          <a:p>
-            <a:pPr marL="0" lvl="2">
+              <a:t>để xây dựng nên kiến trúc hướng dịch vụ.</a:t>
+            </a:r>
+          </a:p>
+          <a:p>
+            <a:pPr>
               <a:lnSpc>
-                <a:spcPct val="150000"/>
+                <a:spcPct val="200000"/>
               </a:lnSpc>
+              <a:buFont typeface="Wingdings" pitchFamily="2" charset="2"/>
+              <a:buChar char="v"/>
             </a:pPr>
             <a:r>
-              <a:rPr lang="en-US" sz="2400" dirty="0">
+              <a:rPr lang="en-US" sz="2400" dirty="0" smtClean="0">
                 <a:solidFill>
                   <a:srgbClr val="000066"/>
                 </a:solidFill>
                 <a:latin typeface="Times New Roman" pitchFamily="18" charset="0"/>
                 <a:cs typeface="Times New Roman" pitchFamily="18" charset="0"/>
               </a:rPr>
-              <a:t>1.3 Quy trình xây dựng SOA</a:t>
+              <a:t> Nghiên cứu về kiến trúc Plugin trong Eclipse.</a:t>
             </a:r>
           </a:p>
           <a:p>
             <a:pPr>
               <a:lnSpc>
-                <a:spcPct val="150000"/>
+                <a:spcPct val="200000"/>
               </a:lnSpc>
+              <a:buFont typeface="Wingdings" pitchFamily="2" charset="2"/>
+              <a:buChar char="v"/>
             </a:pPr>
             <a:r>
               <a:rPr lang="en-US" sz="2400" dirty="0">
@@ -10224,14 +10872,26 @@
                 <a:latin typeface="Times New Roman" pitchFamily="18" charset="0"/>
                 <a:cs typeface="Times New Roman" pitchFamily="18" charset="0"/>
               </a:rPr>
-              <a:t>1.4 Ngôn ngữ thi hành quy trình nghiệp vụ - BPEL</a:t>
+              <a:t> </a:t>
+            </a:r>
+            <a:r>
+              <a:rPr lang="en-US" sz="2400" dirty="0" smtClean="0">
+                <a:solidFill>
+                  <a:srgbClr val="000066"/>
+                </a:solidFill>
+                <a:latin typeface="Times New Roman" pitchFamily="18" charset="0"/>
+                <a:cs typeface="Times New Roman" pitchFamily="18" charset="0"/>
+              </a:rPr>
+              <a:t>Mô hình Services Bus trong SOA.</a:t>
             </a:r>
           </a:p>
           <a:p>
             <a:pPr>
               <a:lnSpc>
-                <a:spcPct val="150000"/>
+                <a:spcPct val="200000"/>
               </a:lnSpc>
+              <a:buFont typeface="Wingdings" pitchFamily="2" charset="2"/>
+              <a:buChar char="v"/>
             </a:pPr>
             <a:r>
               <a:rPr lang="en-US" sz="2400" dirty="0">
@@ -10241,42 +10901,67 @@
                 <a:latin typeface="Times New Roman" pitchFamily="18" charset="0"/>
                 <a:cs typeface="Times New Roman" pitchFamily="18" charset="0"/>
               </a:rPr>
-              <a:t>	1.3.1 Giới thiệu</a:t>
-            </a:r>
+              <a:t> </a:t>
+            </a:r>
+            <a:r>
+              <a:rPr lang="en-US" sz="2400" dirty="0" smtClean="0">
+                <a:solidFill>
+                  <a:srgbClr val="000066"/>
+                </a:solidFill>
+                <a:latin typeface="Times New Roman" pitchFamily="18" charset="0"/>
+                <a:cs typeface="Times New Roman" pitchFamily="18" charset="0"/>
+              </a:rPr>
+              <a:t>Tìm hiểu về “</a:t>
+            </a:r>
+            <a:r>
+              <a:rPr lang="en-US" sz="2400" smtClean="0">
+                <a:solidFill>
+                  <a:srgbClr val="000066"/>
+                </a:solidFill>
+                <a:latin typeface="Times New Roman" pitchFamily="18" charset="0"/>
+                <a:cs typeface="Times New Roman" pitchFamily="18" charset="0"/>
+              </a:rPr>
+              <a:t>plug-and-play”.</a:t>
+            </a:r>
+            <a:endParaRPr lang="en-US" sz="2400" dirty="0">
+              <a:solidFill>
+                <a:srgbClr val="000066"/>
+              </a:solidFill>
+              <a:latin typeface="Times New Roman" pitchFamily="18" charset="0"/>
+              <a:cs typeface="Times New Roman" pitchFamily="18" charset="0"/>
+            </a:endParaRPr>
           </a:p>
           <a:p>
             <a:pPr>
               <a:lnSpc>
-                <a:spcPct val="150000"/>
+                <a:spcPct val="200000"/>
               </a:lnSpc>
+              <a:buFont typeface="Wingdings" pitchFamily="2" charset="2"/>
+              <a:buChar char="v"/>
             </a:pPr>
-            <a:r>
-              <a:rPr lang="en-US" sz="2400" dirty="0">
-                <a:solidFill>
-                  <a:srgbClr val="000066"/>
-                </a:solidFill>
-                <a:latin typeface="Times New Roman" pitchFamily="18" charset="0"/>
-                <a:cs typeface="Times New Roman" pitchFamily="18" charset="0"/>
-              </a:rPr>
-              <a:t>	1.3.2 Các khái niệm cơ bản</a:t>
-            </a:r>
+            <a:endParaRPr lang="en-US" sz="2400" dirty="0" smtClean="0">
+              <a:solidFill>
+                <a:srgbClr val="000066"/>
+              </a:solidFill>
+              <a:latin typeface="Times New Roman" pitchFamily="18" charset="0"/>
+              <a:cs typeface="Times New Roman" pitchFamily="18" charset="0"/>
+            </a:endParaRPr>
           </a:p>
           <a:p>
             <a:pPr>
               <a:lnSpc>
-                <a:spcPct val="150000"/>
+                <a:spcPct val="200000"/>
               </a:lnSpc>
+              <a:buFont typeface="Wingdings" pitchFamily="2" charset="2"/>
+              <a:buChar char="v"/>
             </a:pPr>
-            <a:r>
-              <a:rPr lang="en-US" sz="2400" dirty="0">
-                <a:solidFill>
-                  <a:srgbClr val="000066"/>
-                </a:solidFill>
-                <a:latin typeface="Times New Roman" pitchFamily="18" charset="0"/>
-                <a:cs typeface="Times New Roman" pitchFamily="18" charset="0"/>
-              </a:rPr>
-              <a:t>1.5 Kết luận Chương 1</a:t>
-            </a:r>
+            <a:endParaRPr lang="vi-VN" sz="2400" dirty="0">
+              <a:solidFill>
+                <a:srgbClr val="000066"/>
+              </a:solidFill>
+              <a:latin typeface="Times New Roman" pitchFamily="18" charset="0"/>
+              <a:cs typeface="Times New Roman" pitchFamily="18" charset="0"/>
+            </a:endParaRPr>
           </a:p>
         </p:txBody>
       </p:sp>
@@ -10290,7 +10975,7 @@
         </p:nvSpPr>
         <p:spPr>
           <a:xfrm>
-            <a:off x="1049215" y="348167"/>
+            <a:off x="1049215" y="576775"/>
             <a:ext cx="10515600" cy="607477"/>
           </a:xfrm>
           <a:prstGeom prst="rect">
@@ -10358,7 +11043,7 @@
                 <a:latin typeface="Times New Roman" panose="02020603050405020304" pitchFamily="18" charset="0"/>
                 <a:cs typeface="Times New Roman" panose="02020603050405020304" pitchFamily="18" charset="0"/>
               </a:rPr>
-              <a:t>DỰ KIẾN BỐ CỤC LUẬN VĂN</a:t>
+              <a:t>NỘI DUNG NGHIÊN CỨU</a:t>
             </a:r>
             <a:endParaRPr lang="en-US" sz="3600" b="1" spc="50" dirty="0">
               <a:ln w="9525" cmpd="sng">
@@ -10419,7 +11104,7 @@
     </p:spTree>
     <p:extLst>
       <p:ext uri="{BB962C8B-B14F-4D97-AF65-F5344CB8AC3E}">
-        <p14:creationId xmlns:p14="http://schemas.microsoft.com/office/powerpoint/2010/main" val="691562211"/>
+        <p14:creationId xmlns:p14="http://schemas.microsoft.com/office/powerpoint/2010/main" val="939405607"/>
       </p:ext>
     </p:extLst>
   </p:cSld>
@@ -10691,7 +11376,7 @@
   <a:extraClrSchemeLst/>
   <a:extLst>
     <a:ext uri="{05A4C25C-085E-4340-85A3-A5531E510DB2}">
-      <thm15:themeFamily xmlns:thm15="http://schemas.microsoft.com/office/thememl/2012/main" xmlns="" name="Office Theme" id="{62F939B6-93AF-4DB8-9C6B-D6C7DFDC589F}" vid="{4A3C46E8-61CC-4603-A589-7422A47A8E4A}"/>
+      <thm15:themeFamily xmlns="" xmlns:thm15="http://schemas.microsoft.com/office/thememl/2012/main" name="Office Theme" id="{62F939B6-93AF-4DB8-9C6B-D6C7DFDC589F}" vid="{4A3C46E8-61CC-4603-A589-7422A47A8E4A}"/>
     </a:ext>
   </a:extLst>
 </a:theme>
@@ -10952,7 +11637,7 @@
   <a:extraClrSchemeLst/>
   <a:extLst>
     <a:ext uri="{05A4C25C-085E-4340-85A3-A5531E510DB2}">
-      <thm15:themeFamily xmlns:thm15="http://schemas.microsoft.com/office/thememl/2012/main" xmlns="" name="Office Theme" id="{62F939B6-93AF-4DB8-9C6B-D6C7DFDC589F}" vid="{4A3C46E8-61CC-4603-A589-7422A47A8E4A}"/>
+      <thm15:themeFamily xmlns="" xmlns:thm15="http://schemas.microsoft.com/office/thememl/2012/main" name="Office Theme" id="{62F939B6-93AF-4DB8-9C6B-D6C7DFDC589F}" vid="{4A3C46E8-61CC-4603-A589-7422A47A8E4A}"/>
     </a:ext>
   </a:extLst>
 </a:theme>
@@ -11045,6 +11730,92 @@
 </file>
 
 <file path=ppt/theme/themeOverride11.xml><?xml version="1.0" encoding="utf-8"?>
+<a:themeOverride xmlns:a="http://schemas.openxmlformats.org/drawingml/2006/main">
+  <a:clrScheme name="Office">
+    <a:dk1>
+      <a:sysClr val="windowText" lastClr="000000"/>
+    </a:dk1>
+    <a:lt1>
+      <a:sysClr val="window" lastClr="FFFFFF"/>
+    </a:lt1>
+    <a:dk2>
+      <a:srgbClr val="44546A"/>
+    </a:dk2>
+    <a:lt2>
+      <a:srgbClr val="E7E6E6"/>
+    </a:lt2>
+    <a:accent1>
+      <a:srgbClr val="5B9BD5"/>
+    </a:accent1>
+    <a:accent2>
+      <a:srgbClr val="ED7D31"/>
+    </a:accent2>
+    <a:accent3>
+      <a:srgbClr val="A5A5A5"/>
+    </a:accent3>
+    <a:accent4>
+      <a:srgbClr val="FFC000"/>
+    </a:accent4>
+    <a:accent5>
+      <a:srgbClr val="4472C4"/>
+    </a:accent5>
+    <a:accent6>
+      <a:srgbClr val="70AD47"/>
+    </a:accent6>
+    <a:hlink>
+      <a:srgbClr val="0563C1"/>
+    </a:hlink>
+    <a:folHlink>
+      <a:srgbClr val="954F72"/>
+    </a:folHlink>
+  </a:clrScheme>
+</a:themeOverride>
+</file>
+
+<file path=ppt/theme/themeOverride12.xml><?xml version="1.0" encoding="utf-8"?>
+<a:themeOverride xmlns:a="http://schemas.openxmlformats.org/drawingml/2006/main">
+  <a:clrScheme name="Office">
+    <a:dk1>
+      <a:sysClr val="windowText" lastClr="000000"/>
+    </a:dk1>
+    <a:lt1>
+      <a:sysClr val="window" lastClr="FFFFFF"/>
+    </a:lt1>
+    <a:dk2>
+      <a:srgbClr val="44546A"/>
+    </a:dk2>
+    <a:lt2>
+      <a:srgbClr val="E7E6E6"/>
+    </a:lt2>
+    <a:accent1>
+      <a:srgbClr val="5B9BD5"/>
+    </a:accent1>
+    <a:accent2>
+      <a:srgbClr val="ED7D31"/>
+    </a:accent2>
+    <a:accent3>
+      <a:srgbClr val="A5A5A5"/>
+    </a:accent3>
+    <a:accent4>
+      <a:srgbClr val="FFC000"/>
+    </a:accent4>
+    <a:accent5>
+      <a:srgbClr val="4472C4"/>
+    </a:accent5>
+    <a:accent6>
+      <a:srgbClr val="70AD47"/>
+    </a:accent6>
+    <a:hlink>
+      <a:srgbClr val="0563C1"/>
+    </a:hlink>
+    <a:folHlink>
+      <a:srgbClr val="954F72"/>
+    </a:folHlink>
+  </a:clrScheme>
+</a:themeOverride>
+</file>
+
+<file path=ppt/theme/themeOverride13.xml><?xml version="1.0" encoding="utf-8"?>
 <a:themeOverride xmlns:a="http://schemas.openxmlformats.org/drawingml/2006/main">
   <a:clrScheme name="Office">
     <a:dk1>
